--- a/docs/Presentation.pptx
+++ b/docs/Presentation.pptx
@@ -5,7 +5,7 @@
     <p:sldMasterId id="2147483648" r:id="rId1"/>
   </p:sldMasterIdLst>
   <p:notesMasterIdLst>
-    <p:notesMasterId r:id="rId12"/>
+    <p:notesMasterId r:id="rId14"/>
   </p:notesMasterIdLst>
   <p:sldIdLst>
     <p:sldId id="256" r:id="rId2"/>
@@ -18,6 +18,8 @@
     <p:sldId id="262" r:id="rId9"/>
     <p:sldId id="263" r:id="rId10"/>
     <p:sldId id="261" r:id="rId11"/>
+    <p:sldId id="266" r:id="rId12"/>
+    <p:sldId id="267" r:id="rId13"/>
   </p:sldIdLst>
   <p:sldSz cx="9144000" cy="6858000" type="screen4x3"/>
   <p:notesSz cx="6858000" cy="9144000"/>
@@ -116,6 +118,22 @@
       </a:defRPr>
     </a:lvl9pPr>
   </p:defaultTextStyle>
+  <p:extLst>
+    <p:ext uri="{EFAFB233-063F-42B5-8137-9DF3F51BA10A}">
+      <p15:sldGuideLst xmlns:p15="http://schemas.microsoft.com/office/powerpoint/2012/main">
+        <p15:guide id="1" orient="horz" pos="2160">
+          <p15:clr>
+            <a:srgbClr val="A4A3A4"/>
+          </p15:clr>
+        </p15:guide>
+        <p15:guide id="2" pos="2880">
+          <p15:clr>
+            <a:srgbClr val="A4A3A4"/>
+          </p15:clr>
+        </p15:guide>
+      </p15:sldGuideLst>
+    </p:ext>
+  </p:extLst>
 </p:presentation>
 </file>
 
@@ -201,7 +219,7 @@
           <a:p>
             <a:fld id="{B4B01C59-D08A-43C2-B163-1F07386BD4FA}" type="datetimeFigureOut">
               <a:rPr lang="en-US" smtClean="0"/>
-              <a:t>5/1/2015</a:t>
+              <a:t>5/3/2015</a:t>
             </a:fld>
             <a:endParaRPr lang="en-US"/>
           </a:p>
@@ -561,6 +579,98 @@
 </p:notes>
 </file>
 
+<file path=ppt/notesSlides/notesSlide10.xml><?xml version="1.0" encoding="utf-8"?>
+<p:notes xmlns:a="http://schemas.openxmlformats.org/drawingml/2006/main" xmlns:r="http://schemas.openxmlformats.org/officeDocument/2006/relationships" xmlns:p="http://schemas.openxmlformats.org/presentationml/2006/main">
+  <p:cSld>
+    <p:spTree>
+      <p:nvGrpSpPr>
+        <p:cNvPr id="1" name=""/>
+        <p:cNvGrpSpPr/>
+        <p:nvPr/>
+      </p:nvGrpSpPr>
+      <p:grpSpPr>
+        <a:xfrm>
+          <a:off x="0" y="0"/>
+          <a:ext cx="0" cy="0"/>
+          <a:chOff x="0" y="0"/>
+          <a:chExt cx="0" cy="0"/>
+        </a:xfrm>
+      </p:grpSpPr>
+      <p:sp>
+        <p:nvSpPr>
+          <p:cNvPr id="2" name="Slide Image Placeholder 1"/>
+          <p:cNvSpPr>
+            <a:spLocks noGrp="1" noRot="1" noChangeAspect="1"/>
+          </p:cNvSpPr>
+          <p:nvPr>
+            <p:ph type="sldImg"/>
+          </p:nvPr>
+        </p:nvSpPr>
+        <p:spPr/>
+      </p:sp>
+      <p:sp>
+        <p:nvSpPr>
+          <p:cNvPr id="3" name="Notes Placeholder 2"/>
+          <p:cNvSpPr>
+            <a:spLocks noGrp="1"/>
+          </p:cNvSpPr>
+          <p:nvPr>
+            <p:ph type="body" idx="1"/>
+          </p:nvPr>
+        </p:nvSpPr>
+        <p:spPr/>
+        <p:txBody>
+          <a:bodyPr/>
+          <a:lstStyle/>
+          <a:p>
+            <a:r>
+              <a:rPr lang="en-US" dirty="0" smtClean="0"/>
+              <a:t>There</a:t>
+            </a:r>
+            <a:r>
+              <a:rPr lang="en-US" baseline="0" dirty="0" smtClean="0"/>
+              <a:t> are many things that would still need to be done for a commercial website</a:t>
+            </a:r>
+            <a:endParaRPr lang="en-US" dirty="0"/>
+          </a:p>
+        </p:txBody>
+      </p:sp>
+      <p:sp>
+        <p:nvSpPr>
+          <p:cNvPr id="4" name="Slide Number Placeholder 3"/>
+          <p:cNvSpPr>
+            <a:spLocks noGrp="1"/>
+          </p:cNvSpPr>
+          <p:nvPr>
+            <p:ph type="sldNum" sz="quarter" idx="10"/>
+          </p:nvPr>
+        </p:nvSpPr>
+        <p:spPr/>
+        <p:txBody>
+          <a:bodyPr/>
+          <a:lstStyle/>
+          <a:p>
+            <a:fld id="{C9A18F79-F81E-4CCA-8818-010600813E75}" type="slidenum">
+              <a:rPr lang="en-US" smtClean="0"/>
+              <a:t>12</a:t>
+            </a:fld>
+            <a:endParaRPr lang="en-US"/>
+          </a:p>
+        </p:txBody>
+      </p:sp>
+    </p:spTree>
+    <p:extLst>
+      <p:ext uri="{BB962C8B-B14F-4D97-AF65-F5344CB8AC3E}">
+        <p14:creationId xmlns:p14="http://schemas.microsoft.com/office/powerpoint/2010/main" val="4000416249"/>
+      </p:ext>
+    </p:extLst>
+  </p:cSld>
+  <p:clrMapOvr>
+    <a:masterClrMapping/>
+  </p:clrMapOvr>
+</p:notes>
+</file>
+
 <file path=ppt/notesSlides/notesSlide2.xml><?xml version="1.0" encoding="utf-8"?>
 <p:notes xmlns:a="http://schemas.openxmlformats.org/drawingml/2006/main" xmlns:r="http://schemas.openxmlformats.org/officeDocument/2006/relationships" xmlns:p="http://schemas.openxmlformats.org/presentationml/2006/main">
   <p:cSld>
@@ -791,7 +901,15 @@
           <a:p>
             <a:r>
               <a:rPr lang="en-US" dirty="0" smtClean="0"/>
-              <a:t>List some advantages of the Website solution</a:t>
+              <a:t>List some advantages of the Website </a:t>
+            </a:r>
+            <a:r>
+              <a:rPr lang="en-US" dirty="0" smtClean="0"/>
+              <a:t>solution.  Also point out that this Website design could be adapted for anything</a:t>
+            </a:r>
+            <a:r>
+              <a:rPr lang="en-US" baseline="0" dirty="0" smtClean="0"/>
+              <a:t> else needing a list -  home repair projects , grocery shopping list.</a:t>
             </a:r>
             <a:endParaRPr lang="en-US" dirty="0"/>
           </a:p>
@@ -887,7 +1005,11 @@
             </a:r>
             <a:r>
               <a:rPr lang="en-US" dirty="0" smtClean="0"/>
-              <a:t>HAPPY   PATH  Use Case  flow chart    - page 1  In this</a:t>
+              <a:t>HAPPY </a:t>
+            </a:r>
+            <a:r>
+              <a:rPr lang="en-US" dirty="0" smtClean="0"/>
+              <a:t>PATH  Use Case  flow chart    - page 1  In this</a:t>
             </a:r>
             <a:r>
               <a:rPr lang="en-US" baseline="0" dirty="0" smtClean="0"/>
@@ -1095,11 +1217,7 @@
             </a:r>
             <a:r>
               <a:rPr lang="en-US" baseline="0" dirty="0" smtClean="0"/>
-              <a:t> the end of the demo, we could ask them all to enter a new row, and put 1 positive statements </a:t>
-            </a:r>
-            <a:r>
-              <a:rPr lang="en-US" baseline="0" dirty="0" smtClean="0"/>
-              <a:t>in the morning activities box , 1 negative statements in the afternoon activities box, and 1 suggestion in the afternoon activities box.  Then SAVE.  This will give us some UI design feedback.</a:t>
+              <a:t> the end of the demo, we could ask them all to enter a new row, and put 1 positive statements in the morning activities box , 1 negative statements in the afternoon activities box, and 1 suggestion in the afternoon activities box.  Then SAVE.  This will give us some UI design feedback.</a:t>
             </a:r>
             <a:endParaRPr lang="en-US" dirty="0"/>
           </a:p>
@@ -1506,7 +1624,7 @@
           <a:p>
             <a:fld id="{FB3DB562-E846-4250-A215-238DB2E494A8}" type="datetimeFigureOut">
               <a:rPr lang="en-US" smtClean="0"/>
-              <a:t>5/1/2015</a:t>
+              <a:t>5/3/2015</a:t>
             </a:fld>
             <a:endParaRPr lang="en-US"/>
           </a:p>
@@ -1676,7 +1794,7 @@
           <a:p>
             <a:fld id="{FB3DB562-E846-4250-A215-238DB2E494A8}" type="datetimeFigureOut">
               <a:rPr lang="en-US" smtClean="0"/>
-              <a:t>5/1/2015</a:t>
+              <a:t>5/3/2015</a:t>
             </a:fld>
             <a:endParaRPr lang="en-US"/>
           </a:p>
@@ -1856,7 +1974,7 @@
           <a:p>
             <a:fld id="{FB3DB562-E846-4250-A215-238DB2E494A8}" type="datetimeFigureOut">
               <a:rPr lang="en-US" smtClean="0"/>
-              <a:t>5/1/2015</a:t>
+              <a:t>5/3/2015</a:t>
             </a:fld>
             <a:endParaRPr lang="en-US"/>
           </a:p>
@@ -2026,7 +2144,7 @@
           <a:p>
             <a:fld id="{FB3DB562-E846-4250-A215-238DB2E494A8}" type="datetimeFigureOut">
               <a:rPr lang="en-US" smtClean="0"/>
-              <a:t>5/1/2015</a:t>
+              <a:t>5/3/2015</a:t>
             </a:fld>
             <a:endParaRPr lang="en-US"/>
           </a:p>
@@ -2272,7 +2390,7 @@
           <a:p>
             <a:fld id="{FB3DB562-E846-4250-A215-238DB2E494A8}" type="datetimeFigureOut">
               <a:rPr lang="en-US" smtClean="0"/>
-              <a:t>5/1/2015</a:t>
+              <a:t>5/3/2015</a:t>
             </a:fld>
             <a:endParaRPr lang="en-US"/>
           </a:p>
@@ -2560,7 +2678,7 @@
           <a:p>
             <a:fld id="{FB3DB562-E846-4250-A215-238DB2E494A8}" type="datetimeFigureOut">
               <a:rPr lang="en-US" smtClean="0"/>
-              <a:t>5/1/2015</a:t>
+              <a:t>5/3/2015</a:t>
             </a:fld>
             <a:endParaRPr lang="en-US"/>
           </a:p>
@@ -2982,7 +3100,7 @@
           <a:p>
             <a:fld id="{FB3DB562-E846-4250-A215-238DB2E494A8}" type="datetimeFigureOut">
               <a:rPr lang="en-US" smtClean="0"/>
-              <a:t>5/1/2015</a:t>
+              <a:t>5/3/2015</a:t>
             </a:fld>
             <a:endParaRPr lang="en-US"/>
           </a:p>
@@ -3100,7 +3218,7 @@
           <a:p>
             <a:fld id="{FB3DB562-E846-4250-A215-238DB2E494A8}" type="datetimeFigureOut">
               <a:rPr lang="en-US" smtClean="0"/>
-              <a:t>5/1/2015</a:t>
+              <a:t>5/3/2015</a:t>
             </a:fld>
             <a:endParaRPr lang="en-US"/>
           </a:p>
@@ -3195,7 +3313,7 @@
           <a:p>
             <a:fld id="{FB3DB562-E846-4250-A215-238DB2E494A8}" type="datetimeFigureOut">
               <a:rPr lang="en-US" smtClean="0"/>
-              <a:t>5/1/2015</a:t>
+              <a:t>5/3/2015</a:t>
             </a:fld>
             <a:endParaRPr lang="en-US"/>
           </a:p>
@@ -3472,7 +3590,7 @@
           <a:p>
             <a:fld id="{FB3DB562-E846-4250-A215-238DB2E494A8}" type="datetimeFigureOut">
               <a:rPr lang="en-US" smtClean="0"/>
-              <a:t>5/1/2015</a:t>
+              <a:t>5/3/2015</a:t>
             </a:fld>
             <a:endParaRPr lang="en-US"/>
           </a:p>
@@ -3725,7 +3843,7 @@
           <a:p>
             <a:fld id="{FB3DB562-E846-4250-A215-238DB2E494A8}" type="datetimeFigureOut">
               <a:rPr lang="en-US" smtClean="0"/>
-              <a:t>5/1/2015</a:t>
+              <a:t>5/3/2015</a:t>
             </a:fld>
             <a:endParaRPr lang="en-US"/>
           </a:p>
@@ -3938,7 +4056,7 @@
           <a:p>
             <a:fld id="{FB3DB562-E846-4250-A215-238DB2E494A8}" type="datetimeFigureOut">
               <a:rPr lang="en-US" smtClean="0"/>
-              <a:t>5/1/2015</a:t>
+              <a:t>5/3/2015</a:t>
             </a:fld>
             <a:endParaRPr lang="en-US"/>
           </a:p>
@@ -4693,6 +4811,226 @@
 </p:sld>
 </file>
 
+<file path=ppt/slides/slide11.xml><?xml version="1.0" encoding="utf-8"?>
+<p:sld xmlns:a="http://schemas.openxmlformats.org/drawingml/2006/main" xmlns:r="http://schemas.openxmlformats.org/officeDocument/2006/relationships" xmlns:p="http://schemas.openxmlformats.org/presentationml/2006/main">
+  <p:cSld>
+    <p:spTree>
+      <p:nvGrpSpPr>
+        <p:cNvPr id="1" name=""/>
+        <p:cNvGrpSpPr/>
+        <p:nvPr/>
+      </p:nvGrpSpPr>
+      <p:grpSpPr>
+        <a:xfrm>
+          <a:off x="0" y="0"/>
+          <a:ext cx="0" cy="0"/>
+          <a:chOff x="0" y="0"/>
+          <a:chExt cx="0" cy="0"/>
+        </a:xfrm>
+      </p:grpSpPr>
+      <p:sp>
+        <p:nvSpPr>
+          <p:cNvPr id="2" name="Title 1"/>
+          <p:cNvSpPr>
+            <a:spLocks noGrp="1"/>
+          </p:cNvSpPr>
+          <p:nvPr>
+            <p:ph type="title"/>
+          </p:nvPr>
+        </p:nvSpPr>
+        <p:spPr/>
+        <p:txBody>
+          <a:bodyPr/>
+          <a:lstStyle/>
+          <a:p>
+            <a:r>
+              <a:rPr lang="en-US" dirty="0" smtClean="0"/>
+              <a:t>Software Development</a:t>
+            </a:r>
+            <a:endParaRPr lang="en-US" dirty="0"/>
+          </a:p>
+        </p:txBody>
+      </p:sp>
+      <p:sp>
+        <p:nvSpPr>
+          <p:cNvPr id="3" name="Content Placeholder 2"/>
+          <p:cNvSpPr>
+            <a:spLocks noGrp="1"/>
+          </p:cNvSpPr>
+          <p:nvPr>
+            <p:ph idx="1"/>
+          </p:nvPr>
+        </p:nvSpPr>
+        <p:spPr/>
+        <p:txBody>
+          <a:bodyPr/>
+          <a:lstStyle/>
+          <a:p>
+            <a:r>
+              <a:rPr lang="en-US" dirty="0" smtClean="0"/>
+              <a:t>Agile</a:t>
+            </a:r>
+          </a:p>
+          <a:p>
+            <a:pPr lvl="1"/>
+            <a:r>
+              <a:rPr lang="en-US" dirty="0" smtClean="0"/>
+              <a:t>Weekly iterations</a:t>
+            </a:r>
+          </a:p>
+          <a:p>
+            <a:pPr lvl="1"/>
+            <a:r>
+              <a:rPr lang="en-US" dirty="0" smtClean="0"/>
+              <a:t>Daily story / task assignments</a:t>
+            </a:r>
+          </a:p>
+          <a:p>
+            <a:r>
+              <a:rPr lang="en-US" dirty="0" smtClean="0"/>
+              <a:t>Scope – realistic </a:t>
+            </a:r>
+          </a:p>
+          <a:p>
+            <a:r>
+              <a:rPr lang="en-US" dirty="0" smtClean="0"/>
+              <a:t>Start small, make it work, expand on it</a:t>
+            </a:r>
+            <a:endParaRPr lang="en-US" dirty="0"/>
+          </a:p>
+        </p:txBody>
+      </p:sp>
+    </p:spTree>
+    <p:extLst>
+      <p:ext uri="{BB962C8B-B14F-4D97-AF65-F5344CB8AC3E}">
+        <p14:creationId xmlns:p14="http://schemas.microsoft.com/office/powerpoint/2010/main" val="1467065758"/>
+      </p:ext>
+    </p:extLst>
+  </p:cSld>
+  <p:clrMapOvr>
+    <a:masterClrMapping/>
+  </p:clrMapOvr>
+</p:sld>
+</file>
+
+<file path=ppt/slides/slide12.xml><?xml version="1.0" encoding="utf-8"?>
+<p:sld xmlns:a="http://schemas.openxmlformats.org/drawingml/2006/main" xmlns:r="http://schemas.openxmlformats.org/officeDocument/2006/relationships" xmlns:p="http://schemas.openxmlformats.org/presentationml/2006/main">
+  <p:cSld>
+    <p:spTree>
+      <p:nvGrpSpPr>
+        <p:cNvPr id="1" name=""/>
+        <p:cNvGrpSpPr/>
+        <p:nvPr/>
+      </p:nvGrpSpPr>
+      <p:grpSpPr>
+        <a:xfrm>
+          <a:off x="0" y="0"/>
+          <a:ext cx="0" cy="0"/>
+          <a:chOff x="0" y="0"/>
+          <a:chExt cx="0" cy="0"/>
+        </a:xfrm>
+      </p:grpSpPr>
+      <p:sp>
+        <p:nvSpPr>
+          <p:cNvPr id="2" name="Title 1"/>
+          <p:cNvSpPr>
+            <a:spLocks noGrp="1"/>
+          </p:cNvSpPr>
+          <p:nvPr>
+            <p:ph type="title"/>
+          </p:nvPr>
+        </p:nvSpPr>
+        <p:spPr/>
+        <p:txBody>
+          <a:bodyPr/>
+          <a:lstStyle/>
+          <a:p>
+            <a:r>
+              <a:rPr lang="en-US" dirty="0" smtClean="0"/>
+              <a:t>Scope</a:t>
+            </a:r>
+            <a:endParaRPr lang="en-US" dirty="0"/>
+          </a:p>
+        </p:txBody>
+      </p:sp>
+      <p:sp>
+        <p:nvSpPr>
+          <p:cNvPr id="3" name="Content Placeholder 2"/>
+          <p:cNvSpPr>
+            <a:spLocks noGrp="1"/>
+          </p:cNvSpPr>
+          <p:nvPr>
+            <p:ph idx="1"/>
+          </p:nvPr>
+        </p:nvSpPr>
+        <p:spPr/>
+        <p:txBody>
+          <a:bodyPr/>
+          <a:lstStyle/>
+          <a:p>
+            <a:r>
+              <a:rPr lang="en-US" dirty="0" smtClean="0"/>
+              <a:t>Out of Scope items</a:t>
+            </a:r>
+          </a:p>
+          <a:p>
+            <a:pPr lvl="1"/>
+            <a:r>
+              <a:rPr lang="en-US" dirty="0" smtClean="0"/>
+              <a:t>Security audit / refactoring</a:t>
+            </a:r>
+          </a:p>
+          <a:p>
+            <a:pPr lvl="1"/>
+            <a:r>
+              <a:rPr lang="en-US" dirty="0" smtClean="0"/>
+              <a:t>Refactor to add accessibility</a:t>
+            </a:r>
+          </a:p>
+          <a:p>
+            <a:pPr lvl="1"/>
+            <a:r>
+              <a:rPr lang="en-US" dirty="0" smtClean="0"/>
+              <a:t>Review fonts, CSS, for consistency page-to-page</a:t>
+            </a:r>
+          </a:p>
+          <a:p>
+            <a:pPr lvl="1"/>
+            <a:r>
+              <a:rPr lang="en-US" dirty="0" smtClean="0"/>
+              <a:t>More UI testing</a:t>
+            </a:r>
+          </a:p>
+          <a:p>
+            <a:pPr lvl="1"/>
+            <a:r>
+              <a:rPr lang="en-US" dirty="0" smtClean="0"/>
+              <a:t>More performance and scale testing</a:t>
+            </a:r>
+          </a:p>
+          <a:p>
+            <a:pPr lvl="1"/>
+            <a:endParaRPr lang="en-US" dirty="0" smtClean="0"/>
+          </a:p>
+          <a:p>
+            <a:pPr lvl="1"/>
+            <a:endParaRPr lang="en-US" dirty="0"/>
+          </a:p>
+        </p:txBody>
+      </p:sp>
+    </p:spTree>
+    <p:extLst>
+      <p:ext uri="{BB962C8B-B14F-4D97-AF65-F5344CB8AC3E}">
+        <p14:creationId xmlns:p14="http://schemas.microsoft.com/office/powerpoint/2010/main" val="1264694114"/>
+      </p:ext>
+    </p:extLst>
+  </p:cSld>
+  <p:clrMapOvr>
+    <a:masterClrMapping/>
+  </p:clrMapOvr>
+</p:sld>
+</file>
+
 <file path=ppt/slides/slide2.xml><?xml version="1.0" encoding="utf-8"?>
 <p:sld xmlns:a="http://schemas.openxmlformats.org/drawingml/2006/main" xmlns:r="http://schemas.openxmlformats.org/officeDocument/2006/relationships" xmlns:p="http://schemas.openxmlformats.org/presentationml/2006/main">
   <p:cSld>
@@ -4764,6 +5102,35 @@
           </a:extLst>
         </p:spPr>
       </p:pic>
+      <p:sp>
+        <p:nvSpPr>
+          <p:cNvPr id="2" name="Rectangle 1"/>
+          <p:cNvSpPr/>
+          <p:nvPr/>
+        </p:nvSpPr>
+        <p:spPr>
+          <a:xfrm>
+            <a:off x="1981200" y="152400"/>
+            <a:ext cx="4800600" cy="584775"/>
+          </a:xfrm>
+          <a:prstGeom prst="rect">
+            <a:avLst/>
+          </a:prstGeom>
+        </p:spPr>
+        <p:txBody>
+          <a:bodyPr wrap="square">
+            <a:spAutoFit/>
+          </a:bodyPr>
+          <a:lstStyle/>
+          <a:p>
+            <a:r>
+              <a:rPr lang="en-US" sz="3200" dirty="0" smtClean="0"/>
+              <a:t>Planning  a  Vacation </a:t>
+            </a:r>
+            <a:endParaRPr lang="en-US" sz="3200" dirty="0"/>
+          </a:p>
+        </p:txBody>
+      </p:sp>
     </p:spTree>
     <p:extLst>
       <p:ext uri="{BB962C8B-B14F-4D97-AF65-F5344CB8AC3E}">
@@ -4858,6 +5225,39 @@
           </a:extLst>
         </p:spPr>
       </p:pic>
+      <p:sp>
+        <p:nvSpPr>
+          <p:cNvPr id="2" name="Rectangle 1"/>
+          <p:cNvSpPr/>
+          <p:nvPr/>
+        </p:nvSpPr>
+        <p:spPr>
+          <a:xfrm>
+            <a:off x="1530350" y="152400"/>
+            <a:ext cx="6027804" cy="523220"/>
+          </a:xfrm>
+          <a:prstGeom prst="rect">
+            <a:avLst/>
+          </a:prstGeom>
+        </p:spPr>
+        <p:txBody>
+          <a:bodyPr wrap="none">
+            <a:spAutoFit/>
+          </a:bodyPr>
+          <a:lstStyle/>
+          <a:p>
+            <a:r>
+              <a:rPr lang="en-US" sz="2800" dirty="0" smtClean="0"/>
+              <a:t>Software Engineer Planning  </a:t>
+            </a:r>
+            <a:r>
+              <a:rPr lang="en-US" sz="2800" dirty="0"/>
+              <a:t>a  Vacation </a:t>
+            </a:r>
+            <a:endParaRPr lang="en-US" sz="2800" dirty="0"/>
+          </a:p>
+        </p:txBody>
+      </p:sp>
     </p:spTree>
     <p:extLst>
       <p:ext uri="{BB962C8B-B14F-4D97-AF65-F5344CB8AC3E}">
@@ -4900,12 +5300,14 @@
         </p:nvSpPr>
         <p:spPr>
           <a:xfrm>
-            <a:off x="685800" y="533401"/>
-            <a:ext cx="7772400" cy="1142999"/>
+            <a:off x="647700" y="381000"/>
+            <a:ext cx="7772400" cy="685799"/>
           </a:xfrm>
         </p:spPr>
         <p:txBody>
-          <a:bodyPr/>
+          <a:bodyPr>
+            <a:normAutofit fontScale="90000"/>
+          </a:bodyPr>
           <a:lstStyle/>
           <a:p>
             <a:r>
@@ -4928,13 +5330,13 @@
         </p:nvSpPr>
         <p:spPr>
           <a:xfrm>
-            <a:off x="685800" y="1752600"/>
-            <a:ext cx="7696200" cy="3886200"/>
+            <a:off x="685800" y="1676400"/>
+            <a:ext cx="7696200" cy="3962400"/>
           </a:xfrm>
         </p:spPr>
         <p:txBody>
           <a:bodyPr>
-            <a:normAutofit/>
+            <a:normAutofit fontScale="92500" lnSpcReduction="10000"/>
           </a:bodyPr>
           <a:lstStyle/>
           <a:p>
@@ -4944,8 +5346,23 @@
                   <a:schemeClr val="tx1"/>
                 </a:solidFill>
               </a:rPr>
-              <a:t>Problem Statement</a:t>
-            </a:r>
+              <a:t>Problem </a:t>
+            </a:r>
+            <a:r>
+              <a:rPr lang="en-US" b="1" dirty="0" smtClean="0">
+                <a:solidFill>
+                  <a:schemeClr val="tx1"/>
+                </a:solidFill>
+              </a:rPr>
+              <a:t>Statement</a:t>
+            </a:r>
+          </a:p>
+          <a:p>
+            <a:endParaRPr lang="en-US" b="1" dirty="0" smtClean="0">
+              <a:solidFill>
+                <a:schemeClr val="tx1"/>
+              </a:solidFill>
+            </a:endParaRPr>
           </a:p>
           <a:p>
             <a:pPr algn="l"/>
@@ -4974,7 +5391,34 @@
                   <a:schemeClr val="tx1"/>
                 </a:solidFill>
               </a:rPr>
-              <a:t>Where and how to store this?  Mike’s spreadsheet?  (better bring the laptop along)</a:t>
+              <a:t>Where and how to store </a:t>
+            </a:r>
+            <a:r>
+              <a:rPr lang="en-US" dirty="0" smtClean="0">
+                <a:solidFill>
+                  <a:schemeClr val="tx1"/>
+                </a:solidFill>
+              </a:rPr>
+              <a:t>this? </a:t>
+            </a:r>
+          </a:p>
+          <a:p>
+            <a:pPr algn="l"/>
+            <a:r>
+              <a:rPr lang="en-US" dirty="0" smtClean="0">
+                <a:solidFill>
+                  <a:schemeClr val="tx1"/>
+                </a:solidFill>
+              </a:rPr>
+              <a:t>Mike’s </a:t>
+            </a:r>
+            <a:r>
+              <a:rPr lang="en-US" dirty="0" smtClean="0">
+                <a:solidFill>
+                  <a:schemeClr val="tx1"/>
+                </a:solidFill>
+              </a:rPr>
+              <a:t>spreadsheet?  (better bring the laptop along)</a:t>
             </a:r>
           </a:p>
           <a:p>
@@ -5076,7 +5520,15 @@
                   <a:schemeClr val="tx1"/>
                 </a:solidFill>
               </a:rPr>
-              <a:t>Problem Statement</a:t>
+              <a:t>Solution </a:t>
+            </a:r>
+            <a:r>
+              <a:rPr lang="en-US" b="1" dirty="0" smtClean="0">
+                <a:solidFill>
+                  <a:schemeClr val="tx1"/>
+                </a:solidFill>
+              </a:rPr>
+              <a:t>Statement</a:t>
             </a:r>
           </a:p>
           <a:p>
@@ -5408,6 +5860,167 @@
               <a:rPr lang="en-US" dirty="0" smtClean="0"/>
               <a:t>DEMO</a:t>
             </a:r>
+            <a:endParaRPr lang="en-US" dirty="0"/>
+          </a:p>
+        </p:txBody>
+      </p:sp>
+      <p:sp>
+        <p:nvSpPr>
+          <p:cNvPr id="3" name="TextBox 2"/>
+          <p:cNvSpPr txBox="1"/>
+          <p:nvPr/>
+        </p:nvSpPr>
+        <p:spPr>
+          <a:xfrm>
+            <a:off x="762000" y="1600200"/>
+            <a:ext cx="6400800" cy="4247317"/>
+          </a:xfrm>
+          <a:prstGeom prst="rect">
+            <a:avLst/>
+          </a:prstGeom>
+          <a:noFill/>
+        </p:spPr>
+        <p:txBody>
+          <a:bodyPr wrap="square" rtlCol="0">
+            <a:spAutoFit/>
+          </a:bodyPr>
+          <a:lstStyle/>
+          <a:p>
+            <a:pPr marL="342900" indent="-342900">
+              <a:buFont typeface="+mj-lt"/>
+              <a:buAutoNum type="arabicPeriod"/>
+            </a:pPr>
+            <a:r>
+              <a:rPr lang="en-US" dirty="0" smtClean="0"/>
+              <a:t>Register</a:t>
+            </a:r>
+          </a:p>
+          <a:p>
+            <a:pPr marL="342900" indent="-342900">
+              <a:buFont typeface="+mj-lt"/>
+              <a:buAutoNum type="arabicPeriod"/>
+            </a:pPr>
+            <a:r>
+              <a:rPr lang="en-US" dirty="0" smtClean="0"/>
+              <a:t>Create a vacation</a:t>
+            </a:r>
+          </a:p>
+          <a:p>
+            <a:pPr marL="342900" indent="-342900">
+              <a:buFont typeface="+mj-lt"/>
+              <a:buAutoNum type="arabicPeriod"/>
+            </a:pPr>
+            <a:r>
+              <a:rPr lang="en-US" dirty="0" smtClean="0"/>
+              <a:t>Add first row</a:t>
+            </a:r>
+          </a:p>
+          <a:p>
+            <a:pPr marL="800100" lvl="1" indent="-342900">
+              <a:buFont typeface="+mj-lt"/>
+              <a:buAutoNum type="arabicPeriod"/>
+            </a:pPr>
+            <a:r>
+              <a:rPr lang="en-US" dirty="0" smtClean="0"/>
+              <a:t>Enter some data</a:t>
+            </a:r>
+          </a:p>
+          <a:p>
+            <a:pPr marL="342900" indent="-342900">
+              <a:buFont typeface="+mj-lt"/>
+              <a:buAutoNum type="arabicPeriod"/>
+            </a:pPr>
+            <a:r>
+              <a:rPr lang="en-US" dirty="0" smtClean="0"/>
+              <a:t>Add second row</a:t>
+            </a:r>
+          </a:p>
+          <a:p>
+            <a:pPr marL="800100" lvl="1" indent="-342900">
+              <a:buFont typeface="+mj-lt"/>
+              <a:buAutoNum type="arabicPeriod"/>
+            </a:pPr>
+            <a:r>
+              <a:rPr lang="en-US" dirty="0" smtClean="0"/>
+              <a:t>Enter some data</a:t>
+            </a:r>
+          </a:p>
+          <a:p>
+            <a:pPr marL="342900" indent="-342900">
+              <a:buFont typeface="+mj-lt"/>
+              <a:buAutoNum type="arabicPeriod"/>
+            </a:pPr>
+            <a:r>
+              <a:rPr lang="en-US" dirty="0" smtClean="0"/>
+              <a:t>Enter third row ( and provide some feed back on the UI)</a:t>
+            </a:r>
+          </a:p>
+          <a:p>
+            <a:pPr marL="800100" lvl="1" indent="-342900">
+              <a:buFont typeface="+mj-lt"/>
+              <a:buAutoNum type="arabicPeriod"/>
+            </a:pPr>
+            <a:r>
+              <a:rPr lang="en-US" dirty="0" smtClean="0"/>
+              <a:t>in morning activity – enter a positive comment</a:t>
+            </a:r>
+          </a:p>
+          <a:p>
+            <a:pPr marL="800100" lvl="1" indent="-342900">
+              <a:buFont typeface="+mj-lt"/>
+              <a:buAutoNum type="arabicPeriod"/>
+            </a:pPr>
+            <a:r>
+              <a:rPr lang="en-US" dirty="0" smtClean="0"/>
+              <a:t>In afternoon activity – enter a negative comment</a:t>
+            </a:r>
+          </a:p>
+          <a:p>
+            <a:pPr marL="800100" lvl="1" indent="-342900">
+              <a:buFont typeface="+mj-lt"/>
+              <a:buAutoNum type="arabicPeriod"/>
+            </a:pPr>
+            <a:r>
+              <a:rPr lang="en-US" dirty="0" smtClean="0"/>
+              <a:t>In evening activity – enter a suggestion</a:t>
+            </a:r>
+          </a:p>
+          <a:p>
+            <a:pPr marL="800100" lvl="1" indent="-342900">
+              <a:buFont typeface="+mj-lt"/>
+              <a:buAutoNum type="arabicPeriod"/>
+            </a:pPr>
+            <a:r>
+              <a:rPr lang="en-US" dirty="0" smtClean="0"/>
+              <a:t>SAVE</a:t>
+            </a:r>
+          </a:p>
+          <a:p>
+            <a:pPr marL="800100" lvl="1" indent="-342900">
+              <a:buFont typeface="+mj-lt"/>
+              <a:buAutoNum type="arabicPeriod"/>
+            </a:pPr>
+            <a:endParaRPr lang="en-US" dirty="0" smtClean="0"/>
+          </a:p>
+          <a:p>
+            <a:pPr marL="342900" indent="-342900">
+              <a:buFont typeface="+mj-lt"/>
+              <a:buAutoNum type="arabicPeriod"/>
+            </a:pPr>
+            <a:endParaRPr lang="en-US" dirty="0"/>
+          </a:p>
+          <a:p>
+            <a:pPr marL="342900" indent="-342900">
+              <a:buFont typeface="+mj-lt"/>
+              <a:buAutoNum type="arabicPeriod"/>
+            </a:pPr>
+            <a:endParaRPr lang="en-US" dirty="0" smtClean="0"/>
+          </a:p>
+          <a:p>
+            <a:pPr marL="342900" indent="-342900">
+              <a:buFont typeface="+mj-lt"/>
+              <a:buAutoNum type="arabicPeriod"/>
+            </a:pPr>
             <a:endParaRPr lang="en-US" dirty="0"/>
           </a:p>
         </p:txBody>

--- a/docs/Presentation.pptx
+++ b/docs/Presentation.pptx
@@ -5,7 +5,7 @@
     <p:sldMasterId id="2147483648" r:id="rId1"/>
   </p:sldMasterIdLst>
   <p:notesMasterIdLst>
-    <p:notesMasterId r:id="rId14"/>
+    <p:notesMasterId r:id="rId16"/>
   </p:notesMasterIdLst>
   <p:sldIdLst>
     <p:sldId id="256" r:id="rId2"/>
@@ -18,8 +18,10 @@
     <p:sldId id="262" r:id="rId9"/>
     <p:sldId id="263" r:id="rId10"/>
     <p:sldId id="261" r:id="rId11"/>
-    <p:sldId id="266" r:id="rId12"/>
-    <p:sldId id="267" r:id="rId13"/>
+    <p:sldId id="269" r:id="rId12"/>
+    <p:sldId id="268" r:id="rId13"/>
+    <p:sldId id="266" r:id="rId14"/>
+    <p:sldId id="267" r:id="rId15"/>
   </p:sldIdLst>
   <p:sldSz cx="9144000" cy="6858000" type="screen4x3"/>
   <p:notesSz cx="6858000" cy="9144000"/>
@@ -219,7 +221,7 @@
           <a:p>
             <a:fld id="{B4B01C59-D08A-43C2-B163-1F07386BD4FA}" type="datetimeFigureOut">
               <a:rPr lang="en-US" smtClean="0"/>
-              <a:t>5/3/2015</a:t>
+              <a:t>5/4/2015</a:t>
             </a:fld>
             <a:endParaRPr lang="en-US"/>
           </a:p>
@@ -625,6 +627,98 @@
           <a:p>
             <a:r>
               <a:rPr lang="en-US" dirty="0" smtClean="0"/>
+              <a:t>Here</a:t>
+            </a:r>
+            <a:r>
+              <a:rPr lang="en-US" baseline="0" dirty="0" smtClean="0"/>
+              <a:t> are a few technologies / code modules we would like to highlight</a:t>
+            </a:r>
+            <a:endParaRPr lang="en-US" dirty="0"/>
+          </a:p>
+        </p:txBody>
+      </p:sp>
+      <p:sp>
+        <p:nvSpPr>
+          <p:cNvPr id="4" name="Slide Number Placeholder 3"/>
+          <p:cNvSpPr>
+            <a:spLocks noGrp="1"/>
+          </p:cNvSpPr>
+          <p:nvPr>
+            <p:ph type="sldNum" sz="quarter" idx="10"/>
+          </p:nvPr>
+        </p:nvSpPr>
+        <p:spPr/>
+        <p:txBody>
+          <a:bodyPr/>
+          <a:lstStyle/>
+          <a:p>
+            <a:fld id="{C9A18F79-F81E-4CCA-8818-010600813E75}" type="slidenum">
+              <a:rPr lang="en-US" smtClean="0"/>
+              <a:t>11</a:t>
+            </a:fld>
+            <a:endParaRPr lang="en-US"/>
+          </a:p>
+        </p:txBody>
+      </p:sp>
+    </p:spTree>
+    <p:extLst>
+      <p:ext uri="{BB962C8B-B14F-4D97-AF65-F5344CB8AC3E}">
+        <p14:creationId xmlns:p14="http://schemas.microsoft.com/office/powerpoint/2010/main" val="1635864686"/>
+      </p:ext>
+    </p:extLst>
+  </p:cSld>
+  <p:clrMapOvr>
+    <a:masterClrMapping/>
+  </p:clrMapOvr>
+</p:notes>
+</file>
+
+<file path=ppt/notesSlides/notesSlide11.xml><?xml version="1.0" encoding="utf-8"?>
+<p:notes xmlns:a="http://schemas.openxmlformats.org/drawingml/2006/main" xmlns:r="http://schemas.openxmlformats.org/officeDocument/2006/relationships" xmlns:p="http://schemas.openxmlformats.org/presentationml/2006/main">
+  <p:cSld>
+    <p:spTree>
+      <p:nvGrpSpPr>
+        <p:cNvPr id="1" name=""/>
+        <p:cNvGrpSpPr/>
+        <p:nvPr/>
+      </p:nvGrpSpPr>
+      <p:grpSpPr>
+        <a:xfrm>
+          <a:off x="0" y="0"/>
+          <a:ext cx="0" cy="0"/>
+          <a:chOff x="0" y="0"/>
+          <a:chExt cx="0" cy="0"/>
+        </a:xfrm>
+      </p:grpSpPr>
+      <p:sp>
+        <p:nvSpPr>
+          <p:cNvPr id="2" name="Slide Image Placeholder 1"/>
+          <p:cNvSpPr>
+            <a:spLocks noGrp="1" noRot="1" noChangeAspect="1"/>
+          </p:cNvSpPr>
+          <p:nvPr>
+            <p:ph type="sldImg"/>
+          </p:nvPr>
+        </p:nvSpPr>
+        <p:spPr/>
+      </p:sp>
+      <p:sp>
+        <p:nvSpPr>
+          <p:cNvPr id="3" name="Notes Placeholder 2"/>
+          <p:cNvSpPr>
+            <a:spLocks noGrp="1"/>
+          </p:cNvSpPr>
+          <p:nvPr>
+            <p:ph type="body" idx="1"/>
+          </p:nvPr>
+        </p:nvSpPr>
+        <p:spPr/>
+        <p:txBody>
+          <a:bodyPr/>
+          <a:lstStyle/>
+          <a:p>
+            <a:r>
+              <a:rPr lang="en-US" dirty="0" smtClean="0"/>
               <a:t>There</a:t>
             </a:r>
             <a:r>
@@ -652,7 +746,7 @@
           <a:p>
             <a:fld id="{C9A18F79-F81E-4CCA-8818-010600813E75}" type="slidenum">
               <a:rPr lang="en-US" smtClean="0"/>
-              <a:t>12</a:t>
+              <a:t>14</a:t>
             </a:fld>
             <a:endParaRPr lang="en-US"/>
           </a:p>
@@ -901,11 +995,7 @@
           <a:p>
             <a:r>
               <a:rPr lang="en-US" dirty="0" smtClean="0"/>
-              <a:t>List some advantages of the Website </a:t>
-            </a:r>
-            <a:r>
-              <a:rPr lang="en-US" dirty="0" smtClean="0"/>
-              <a:t>solution.  Also point out that this Website design could be adapted for anything</a:t>
+              <a:t>List some advantages of the Website solution.  Also point out that this Website design could be adapted for anything</a:t>
             </a:r>
             <a:r>
               <a:rPr lang="en-US" baseline="0" dirty="0" smtClean="0"/>
@@ -1005,11 +1095,7 @@
             </a:r>
             <a:r>
               <a:rPr lang="en-US" dirty="0" smtClean="0"/>
-              <a:t>HAPPY </a:t>
-            </a:r>
-            <a:r>
-              <a:rPr lang="en-US" dirty="0" smtClean="0"/>
-              <a:t>PATH  Use Case  flow chart    - page 1  In this</a:t>
+              <a:t>HAPPY PATH  Use Case  flow chart    - page 1  In this</a:t>
             </a:r>
             <a:r>
               <a:rPr lang="en-US" baseline="0" dirty="0" smtClean="0"/>
@@ -1624,7 +1710,7 @@
           <a:p>
             <a:fld id="{FB3DB562-E846-4250-A215-238DB2E494A8}" type="datetimeFigureOut">
               <a:rPr lang="en-US" smtClean="0"/>
-              <a:t>5/3/2015</a:t>
+              <a:t>5/4/2015</a:t>
             </a:fld>
             <a:endParaRPr lang="en-US"/>
           </a:p>
@@ -1794,7 +1880,7 @@
           <a:p>
             <a:fld id="{FB3DB562-E846-4250-A215-238DB2E494A8}" type="datetimeFigureOut">
               <a:rPr lang="en-US" smtClean="0"/>
-              <a:t>5/3/2015</a:t>
+              <a:t>5/4/2015</a:t>
             </a:fld>
             <a:endParaRPr lang="en-US"/>
           </a:p>
@@ -1974,7 +2060,7 @@
           <a:p>
             <a:fld id="{FB3DB562-E846-4250-A215-238DB2E494A8}" type="datetimeFigureOut">
               <a:rPr lang="en-US" smtClean="0"/>
-              <a:t>5/3/2015</a:t>
+              <a:t>5/4/2015</a:t>
             </a:fld>
             <a:endParaRPr lang="en-US"/>
           </a:p>
@@ -2144,7 +2230,7 @@
           <a:p>
             <a:fld id="{FB3DB562-E846-4250-A215-238DB2E494A8}" type="datetimeFigureOut">
               <a:rPr lang="en-US" smtClean="0"/>
-              <a:t>5/3/2015</a:t>
+              <a:t>5/4/2015</a:t>
             </a:fld>
             <a:endParaRPr lang="en-US"/>
           </a:p>
@@ -2390,7 +2476,7 @@
           <a:p>
             <a:fld id="{FB3DB562-E846-4250-A215-238DB2E494A8}" type="datetimeFigureOut">
               <a:rPr lang="en-US" smtClean="0"/>
-              <a:t>5/3/2015</a:t>
+              <a:t>5/4/2015</a:t>
             </a:fld>
             <a:endParaRPr lang="en-US"/>
           </a:p>
@@ -2678,7 +2764,7 @@
           <a:p>
             <a:fld id="{FB3DB562-E846-4250-A215-238DB2E494A8}" type="datetimeFigureOut">
               <a:rPr lang="en-US" smtClean="0"/>
-              <a:t>5/3/2015</a:t>
+              <a:t>5/4/2015</a:t>
             </a:fld>
             <a:endParaRPr lang="en-US"/>
           </a:p>
@@ -3100,7 +3186,7 @@
           <a:p>
             <a:fld id="{FB3DB562-E846-4250-A215-238DB2E494A8}" type="datetimeFigureOut">
               <a:rPr lang="en-US" smtClean="0"/>
-              <a:t>5/3/2015</a:t>
+              <a:t>5/4/2015</a:t>
             </a:fld>
             <a:endParaRPr lang="en-US"/>
           </a:p>
@@ -3218,7 +3304,7 @@
           <a:p>
             <a:fld id="{FB3DB562-E846-4250-A215-238DB2E494A8}" type="datetimeFigureOut">
               <a:rPr lang="en-US" smtClean="0"/>
-              <a:t>5/3/2015</a:t>
+              <a:t>5/4/2015</a:t>
             </a:fld>
             <a:endParaRPr lang="en-US"/>
           </a:p>
@@ -3313,7 +3399,7 @@
           <a:p>
             <a:fld id="{FB3DB562-E846-4250-A215-238DB2E494A8}" type="datetimeFigureOut">
               <a:rPr lang="en-US" smtClean="0"/>
-              <a:t>5/3/2015</a:t>
+              <a:t>5/4/2015</a:t>
             </a:fld>
             <a:endParaRPr lang="en-US"/>
           </a:p>
@@ -3590,7 +3676,7 @@
           <a:p>
             <a:fld id="{FB3DB562-E846-4250-A215-238DB2E494A8}" type="datetimeFigureOut">
               <a:rPr lang="en-US" smtClean="0"/>
-              <a:t>5/3/2015</a:t>
+              <a:t>5/4/2015</a:t>
             </a:fld>
             <a:endParaRPr lang="en-US"/>
           </a:p>
@@ -3843,7 +3929,7 @@
           <a:p>
             <a:fld id="{FB3DB562-E846-4250-A215-238DB2E494A8}" type="datetimeFigureOut">
               <a:rPr lang="en-US" smtClean="0"/>
-              <a:t>5/3/2015</a:t>
+              <a:t>5/4/2015</a:t>
             </a:fld>
             <a:endParaRPr lang="en-US"/>
           </a:p>
@@ -4056,7 +4142,7 @@
           <a:p>
             <a:fld id="{FB3DB562-E846-4250-A215-238DB2E494A8}" type="datetimeFigureOut">
               <a:rPr lang="en-US" smtClean="0"/>
-              <a:t>5/3/2015</a:t>
+              <a:t>5/4/2015</a:t>
             </a:fld>
             <a:endParaRPr lang="en-US"/>
           </a:p>
@@ -4845,6 +4931,202 @@
           <a:p>
             <a:r>
               <a:rPr lang="en-US" dirty="0" smtClean="0"/>
+              <a:t>Highlighted Technologies</a:t>
+            </a:r>
+            <a:endParaRPr lang="en-US" dirty="0"/>
+          </a:p>
+        </p:txBody>
+      </p:sp>
+      <p:sp>
+        <p:nvSpPr>
+          <p:cNvPr id="3" name="Content Placeholder 2"/>
+          <p:cNvSpPr>
+            <a:spLocks noGrp="1"/>
+          </p:cNvSpPr>
+          <p:nvPr>
+            <p:ph idx="1"/>
+          </p:nvPr>
+        </p:nvSpPr>
+        <p:spPr/>
+        <p:txBody>
+          <a:bodyPr/>
+          <a:lstStyle/>
+          <a:p>
+            <a:r>
+              <a:rPr lang="en-US" sz="2400" dirty="0" smtClean="0"/>
+              <a:t>Google Map API</a:t>
+            </a:r>
+          </a:p>
+          <a:p>
+            <a:r>
+              <a:rPr lang="en-US" sz="2400" dirty="0" smtClean="0"/>
+              <a:t>Bootstrap</a:t>
+            </a:r>
+          </a:p>
+          <a:p>
+            <a:pPr lvl="1"/>
+            <a:r>
+              <a:rPr lang="en-US" sz="2400" dirty="0" smtClean="0"/>
+              <a:t>Had  build in resizing, formatting, colored buttons,…</a:t>
+            </a:r>
+          </a:p>
+          <a:p>
+            <a:r>
+              <a:rPr lang="en-US" sz="2400" dirty="0" err="1" smtClean="0"/>
+              <a:t>Bootbox</a:t>
+            </a:r>
+            <a:endParaRPr lang="en-US" sz="2400" dirty="0" smtClean="0"/>
+          </a:p>
+          <a:p>
+            <a:pPr lvl="1"/>
+            <a:r>
+              <a:rPr lang="en-US" sz="2000" dirty="0" smtClean="0"/>
+              <a:t>Modal message boxes built on bootstrap and jQuery</a:t>
+            </a:r>
+          </a:p>
+          <a:p>
+            <a:r>
+              <a:rPr lang="en-US" sz="2400" dirty="0" smtClean="0"/>
+              <a:t>Query parameters …. </a:t>
+            </a:r>
+          </a:p>
+          <a:p>
+            <a:pPr lvl="1"/>
+            <a:r>
+              <a:rPr lang="en-US" sz="2000" dirty="0" smtClean="0"/>
+              <a:t>better security and special characters</a:t>
+            </a:r>
+          </a:p>
+          <a:p>
+            <a:endParaRPr lang="en-US" sz="2400" dirty="0" smtClean="0"/>
+          </a:p>
+          <a:p>
+            <a:endParaRPr lang="en-US" sz="2400" dirty="0" smtClean="0"/>
+          </a:p>
+          <a:p>
+            <a:endParaRPr lang="en-US" dirty="0"/>
+          </a:p>
+        </p:txBody>
+      </p:sp>
+    </p:spTree>
+    <p:extLst>
+      <p:ext uri="{BB962C8B-B14F-4D97-AF65-F5344CB8AC3E}">
+        <p14:creationId xmlns:p14="http://schemas.microsoft.com/office/powerpoint/2010/main" val="495975114"/>
+      </p:ext>
+    </p:extLst>
+  </p:cSld>
+  <p:clrMapOvr>
+    <a:masterClrMapping/>
+  </p:clrMapOvr>
+</p:sld>
+</file>
+
+<file path=ppt/slides/slide12.xml><?xml version="1.0" encoding="utf-8"?>
+<p:sld xmlns:a="http://schemas.openxmlformats.org/drawingml/2006/main" xmlns:r="http://schemas.openxmlformats.org/officeDocument/2006/relationships" xmlns:p="http://schemas.openxmlformats.org/presentationml/2006/main">
+  <p:cSld>
+    <p:spTree>
+      <p:nvGrpSpPr>
+        <p:cNvPr id="1" name=""/>
+        <p:cNvGrpSpPr/>
+        <p:nvPr/>
+      </p:nvGrpSpPr>
+      <p:grpSpPr>
+        <a:xfrm>
+          <a:off x="0" y="0"/>
+          <a:ext cx="0" cy="0"/>
+          <a:chOff x="0" y="0"/>
+          <a:chExt cx="0" cy="0"/>
+        </a:xfrm>
+      </p:grpSpPr>
+      <p:sp>
+        <p:nvSpPr>
+          <p:cNvPr id="2" name="Title 1"/>
+          <p:cNvSpPr>
+            <a:spLocks noGrp="1"/>
+          </p:cNvSpPr>
+          <p:nvPr>
+            <p:ph type="title"/>
+          </p:nvPr>
+        </p:nvSpPr>
+        <p:spPr/>
+        <p:txBody>
+          <a:bodyPr/>
+          <a:lstStyle/>
+          <a:p>
+            <a:r>
+              <a:rPr lang="en-US" dirty="0" smtClean="0"/>
+              <a:t>Technical Challenges</a:t>
+            </a:r>
+            <a:endParaRPr lang="en-US" dirty="0"/>
+          </a:p>
+        </p:txBody>
+      </p:sp>
+      <p:sp>
+        <p:nvSpPr>
+          <p:cNvPr id="3" name="Content Placeholder 2"/>
+          <p:cNvSpPr>
+            <a:spLocks noGrp="1"/>
+          </p:cNvSpPr>
+          <p:nvPr>
+            <p:ph idx="1"/>
+          </p:nvPr>
+        </p:nvSpPr>
+        <p:spPr/>
+        <p:txBody>
+          <a:bodyPr/>
+          <a:lstStyle/>
+          <a:p>
+            <a:endParaRPr lang="en-US" dirty="0"/>
+          </a:p>
+        </p:txBody>
+      </p:sp>
+    </p:spTree>
+    <p:extLst>
+      <p:ext uri="{BB962C8B-B14F-4D97-AF65-F5344CB8AC3E}">
+        <p14:creationId xmlns:p14="http://schemas.microsoft.com/office/powerpoint/2010/main" val="627477343"/>
+      </p:ext>
+    </p:extLst>
+  </p:cSld>
+  <p:clrMapOvr>
+    <a:masterClrMapping/>
+  </p:clrMapOvr>
+</p:sld>
+</file>
+
+<file path=ppt/slides/slide13.xml><?xml version="1.0" encoding="utf-8"?>
+<p:sld xmlns:a="http://schemas.openxmlformats.org/drawingml/2006/main" xmlns:r="http://schemas.openxmlformats.org/officeDocument/2006/relationships" xmlns:p="http://schemas.openxmlformats.org/presentationml/2006/main">
+  <p:cSld>
+    <p:spTree>
+      <p:nvGrpSpPr>
+        <p:cNvPr id="1" name=""/>
+        <p:cNvGrpSpPr/>
+        <p:nvPr/>
+      </p:nvGrpSpPr>
+      <p:grpSpPr>
+        <a:xfrm>
+          <a:off x="0" y="0"/>
+          <a:ext cx="0" cy="0"/>
+          <a:chOff x="0" y="0"/>
+          <a:chExt cx="0" cy="0"/>
+        </a:xfrm>
+      </p:grpSpPr>
+      <p:sp>
+        <p:nvSpPr>
+          <p:cNvPr id="2" name="Title 1"/>
+          <p:cNvSpPr>
+            <a:spLocks noGrp="1"/>
+          </p:cNvSpPr>
+          <p:nvPr>
+            <p:ph type="title"/>
+          </p:nvPr>
+        </p:nvSpPr>
+        <p:spPr/>
+        <p:txBody>
+          <a:bodyPr/>
+          <a:lstStyle/>
+          <a:p>
+            <a:r>
+              <a:rPr lang="en-US" dirty="0" smtClean="0"/>
               <a:t>Software Development</a:t>
             </a:r>
             <a:endParaRPr lang="en-US" dirty="0"/>
@@ -4913,7 +5195,7 @@
 </p:sld>
 </file>
 
-<file path=ppt/slides/slide12.xml><?xml version="1.0" encoding="utf-8"?>
+<file path=ppt/slides/slide14.xml><?xml version="1.0" encoding="utf-8"?>
 <p:sld xmlns:a="http://schemas.openxmlformats.org/drawingml/2006/main" xmlns:r="http://schemas.openxmlformats.org/officeDocument/2006/relationships" xmlns:p="http://schemas.openxmlformats.org/presentationml/2006/main">
   <p:cSld>
     <p:spTree>
@@ -5254,7 +5536,6 @@
               <a:rPr lang="en-US" sz="2800" dirty="0"/>
               <a:t>a  Vacation </a:t>
             </a:r>
-            <a:endParaRPr lang="en-US" sz="2800" dirty="0"/>
           </a:p>
         </p:txBody>
       </p:sp>
@@ -5346,15 +5627,7 @@
                   <a:schemeClr val="tx1"/>
                 </a:solidFill>
               </a:rPr>
-              <a:t>Problem </a:t>
-            </a:r>
-            <a:r>
-              <a:rPr lang="en-US" b="1" dirty="0" smtClean="0">
-                <a:solidFill>
-                  <a:schemeClr val="tx1"/>
-                </a:solidFill>
-              </a:rPr>
-              <a:t>Statement</a:t>
+              <a:t>Problem Statement</a:t>
             </a:r>
           </a:p>
           <a:p>
@@ -5391,34 +5664,18 @@
                   <a:schemeClr val="tx1"/>
                 </a:solidFill>
               </a:rPr>
-              <a:t>Where and how to store </a:t>
-            </a:r>
+              <a:t>Where and how to store this? </a:t>
+            </a:r>
+          </a:p>
+          <a:p>
+            <a:pPr algn="l"/>
             <a:r>
               <a:rPr lang="en-US" dirty="0" smtClean="0">
                 <a:solidFill>
                   <a:schemeClr val="tx1"/>
                 </a:solidFill>
               </a:rPr>
-              <a:t>this? </a:t>
-            </a:r>
-          </a:p>
-          <a:p>
-            <a:pPr algn="l"/>
-            <a:r>
-              <a:rPr lang="en-US" dirty="0" smtClean="0">
-                <a:solidFill>
-                  <a:schemeClr val="tx1"/>
-                </a:solidFill>
-              </a:rPr>
-              <a:t>Mike’s </a:t>
-            </a:r>
-            <a:r>
-              <a:rPr lang="en-US" dirty="0" smtClean="0">
-                <a:solidFill>
-                  <a:schemeClr val="tx1"/>
-                </a:solidFill>
-              </a:rPr>
-              <a:t>spreadsheet?  (better bring the laptop along)</a:t>
+              <a:t>Mike’s spreadsheet?  (better bring the laptop along)</a:t>
             </a:r>
           </a:p>
           <a:p>
@@ -5520,15 +5777,7 @@
                   <a:schemeClr val="tx1"/>
                 </a:solidFill>
               </a:rPr>
-              <a:t>Solution </a:t>
-            </a:r>
-            <a:r>
-              <a:rPr lang="en-US" b="1" dirty="0" smtClean="0">
-                <a:solidFill>
-                  <a:schemeClr val="tx1"/>
-                </a:solidFill>
-              </a:rPr>
-              <a:t>Statement</a:t>
+              <a:t>Solution Statement</a:t>
             </a:r>
           </a:p>
           <a:p>

--- a/docs/Presentation.pptx
+++ b/docs/Presentation.pptx
@@ -5,7 +5,7 @@
     <p:sldMasterId id="2147483648" r:id="rId1"/>
   </p:sldMasterIdLst>
   <p:notesMasterIdLst>
-    <p:notesMasterId r:id="rId16"/>
+    <p:notesMasterId r:id="rId19"/>
   </p:notesMasterIdLst>
   <p:sldIdLst>
     <p:sldId id="256" r:id="rId2"/>
@@ -21,7 +21,10 @@
     <p:sldId id="269" r:id="rId12"/>
     <p:sldId id="268" r:id="rId13"/>
     <p:sldId id="266" r:id="rId14"/>
-    <p:sldId id="267" r:id="rId15"/>
+    <p:sldId id="272" r:id="rId15"/>
+    <p:sldId id="270" r:id="rId16"/>
+    <p:sldId id="271" r:id="rId17"/>
+    <p:sldId id="267" r:id="rId18"/>
   </p:sldIdLst>
   <p:sldSz cx="9144000" cy="6858000" type="screen4x3"/>
   <p:notesSz cx="6858000" cy="9144000"/>
@@ -221,7 +224,7 @@
           <a:p>
             <a:fld id="{B4B01C59-D08A-43C2-B163-1F07386BD4FA}" type="datetimeFigureOut">
               <a:rPr lang="en-US" smtClean="0"/>
-              <a:t>5/4/2015</a:t>
+              <a:t>5/5/2015</a:t>
             </a:fld>
             <a:endParaRPr lang="en-US"/>
           </a:p>
@@ -719,6 +722,94 @@
           <a:p>
             <a:r>
               <a:rPr lang="en-US" dirty="0" smtClean="0"/>
+              <a:t>Achieved all key Features</a:t>
+            </a:r>
+            <a:endParaRPr lang="en-US" dirty="0"/>
+          </a:p>
+        </p:txBody>
+      </p:sp>
+      <p:sp>
+        <p:nvSpPr>
+          <p:cNvPr id="4" name="Slide Number Placeholder 3"/>
+          <p:cNvSpPr>
+            <a:spLocks noGrp="1"/>
+          </p:cNvSpPr>
+          <p:nvPr>
+            <p:ph type="sldNum" sz="quarter" idx="10"/>
+          </p:nvPr>
+        </p:nvSpPr>
+        <p:spPr/>
+        <p:txBody>
+          <a:bodyPr/>
+          <a:lstStyle/>
+          <a:p>
+            <a:fld id="{C9A18F79-F81E-4CCA-8818-010600813E75}" type="slidenum">
+              <a:rPr lang="en-US" smtClean="0"/>
+              <a:t>15</a:t>
+            </a:fld>
+            <a:endParaRPr lang="en-US"/>
+          </a:p>
+        </p:txBody>
+      </p:sp>
+    </p:spTree>
+    <p:extLst>
+      <p:ext uri="{BB962C8B-B14F-4D97-AF65-F5344CB8AC3E}">
+        <p14:creationId xmlns:p14="http://schemas.microsoft.com/office/powerpoint/2010/main" val="1050960974"/>
+      </p:ext>
+    </p:extLst>
+  </p:cSld>
+  <p:clrMapOvr>
+    <a:masterClrMapping/>
+  </p:clrMapOvr>
+</p:notes>
+</file>
+
+<file path=ppt/notesSlides/notesSlide12.xml><?xml version="1.0" encoding="utf-8"?>
+<p:notes xmlns:a="http://schemas.openxmlformats.org/drawingml/2006/main" xmlns:r="http://schemas.openxmlformats.org/officeDocument/2006/relationships" xmlns:p="http://schemas.openxmlformats.org/presentationml/2006/main">
+  <p:cSld>
+    <p:spTree>
+      <p:nvGrpSpPr>
+        <p:cNvPr id="1" name=""/>
+        <p:cNvGrpSpPr/>
+        <p:nvPr/>
+      </p:nvGrpSpPr>
+      <p:grpSpPr>
+        <a:xfrm>
+          <a:off x="0" y="0"/>
+          <a:ext cx="0" cy="0"/>
+          <a:chOff x="0" y="0"/>
+          <a:chExt cx="0" cy="0"/>
+        </a:xfrm>
+      </p:grpSpPr>
+      <p:sp>
+        <p:nvSpPr>
+          <p:cNvPr id="2" name="Slide Image Placeholder 1"/>
+          <p:cNvSpPr>
+            <a:spLocks noGrp="1" noRot="1" noChangeAspect="1"/>
+          </p:cNvSpPr>
+          <p:nvPr>
+            <p:ph type="sldImg"/>
+          </p:nvPr>
+        </p:nvSpPr>
+        <p:spPr/>
+      </p:sp>
+      <p:sp>
+        <p:nvSpPr>
+          <p:cNvPr id="3" name="Notes Placeholder 2"/>
+          <p:cNvSpPr>
+            <a:spLocks noGrp="1"/>
+          </p:cNvSpPr>
+          <p:nvPr>
+            <p:ph type="body" idx="1"/>
+          </p:nvPr>
+        </p:nvSpPr>
+        <p:spPr/>
+        <p:txBody>
+          <a:bodyPr/>
+          <a:lstStyle/>
+          <a:p>
+            <a:r>
+              <a:rPr lang="en-US" dirty="0" smtClean="0"/>
               <a:t>There</a:t>
             </a:r>
             <a:r>
@@ -746,7 +837,7 @@
           <a:p>
             <a:fld id="{C9A18F79-F81E-4CCA-8818-010600813E75}" type="slidenum">
               <a:rPr lang="en-US" smtClean="0"/>
-              <a:t>14</a:t>
+              <a:t>17</a:t>
             </a:fld>
             <a:endParaRPr lang="en-US"/>
           </a:p>
@@ -1204,7 +1295,15 @@
             </a:pPr>
             <a:r>
               <a:rPr lang="en-US" dirty="0" smtClean="0"/>
-              <a:t>HAPPY   PATH  use case  flow chart  - page 2  In this</a:t>
+              <a:t>HAPPY   PATH  use case  </a:t>
+            </a:r>
+            <a:r>
+              <a:rPr lang="en-US" dirty="0" smtClean="0"/>
+              <a:t>chart  </a:t>
+            </a:r>
+            <a:r>
+              <a:rPr lang="en-US" dirty="0" smtClean="0"/>
+              <a:t>- page 2  In this</a:t>
             </a:r>
             <a:r>
               <a:rPr lang="en-US" baseline="0" dirty="0" smtClean="0"/>
@@ -1710,7 +1809,7 @@
           <a:p>
             <a:fld id="{FB3DB562-E846-4250-A215-238DB2E494A8}" type="datetimeFigureOut">
               <a:rPr lang="en-US" smtClean="0"/>
-              <a:t>5/4/2015</a:t>
+              <a:t>5/5/2015</a:t>
             </a:fld>
             <a:endParaRPr lang="en-US"/>
           </a:p>
@@ -1880,7 +1979,7 @@
           <a:p>
             <a:fld id="{FB3DB562-E846-4250-A215-238DB2E494A8}" type="datetimeFigureOut">
               <a:rPr lang="en-US" smtClean="0"/>
-              <a:t>5/4/2015</a:t>
+              <a:t>5/5/2015</a:t>
             </a:fld>
             <a:endParaRPr lang="en-US"/>
           </a:p>
@@ -2060,7 +2159,7 @@
           <a:p>
             <a:fld id="{FB3DB562-E846-4250-A215-238DB2E494A8}" type="datetimeFigureOut">
               <a:rPr lang="en-US" smtClean="0"/>
-              <a:t>5/4/2015</a:t>
+              <a:t>5/5/2015</a:t>
             </a:fld>
             <a:endParaRPr lang="en-US"/>
           </a:p>
@@ -2230,7 +2329,7 @@
           <a:p>
             <a:fld id="{FB3DB562-E846-4250-A215-238DB2E494A8}" type="datetimeFigureOut">
               <a:rPr lang="en-US" smtClean="0"/>
-              <a:t>5/4/2015</a:t>
+              <a:t>5/5/2015</a:t>
             </a:fld>
             <a:endParaRPr lang="en-US"/>
           </a:p>
@@ -2476,7 +2575,7 @@
           <a:p>
             <a:fld id="{FB3DB562-E846-4250-A215-238DB2E494A8}" type="datetimeFigureOut">
               <a:rPr lang="en-US" smtClean="0"/>
-              <a:t>5/4/2015</a:t>
+              <a:t>5/5/2015</a:t>
             </a:fld>
             <a:endParaRPr lang="en-US"/>
           </a:p>
@@ -2764,7 +2863,7 @@
           <a:p>
             <a:fld id="{FB3DB562-E846-4250-A215-238DB2E494A8}" type="datetimeFigureOut">
               <a:rPr lang="en-US" smtClean="0"/>
-              <a:t>5/4/2015</a:t>
+              <a:t>5/5/2015</a:t>
             </a:fld>
             <a:endParaRPr lang="en-US"/>
           </a:p>
@@ -3186,7 +3285,7 @@
           <a:p>
             <a:fld id="{FB3DB562-E846-4250-A215-238DB2E494A8}" type="datetimeFigureOut">
               <a:rPr lang="en-US" smtClean="0"/>
-              <a:t>5/4/2015</a:t>
+              <a:t>5/5/2015</a:t>
             </a:fld>
             <a:endParaRPr lang="en-US"/>
           </a:p>
@@ -3304,7 +3403,7 @@
           <a:p>
             <a:fld id="{FB3DB562-E846-4250-A215-238DB2E494A8}" type="datetimeFigureOut">
               <a:rPr lang="en-US" smtClean="0"/>
-              <a:t>5/4/2015</a:t>
+              <a:t>5/5/2015</a:t>
             </a:fld>
             <a:endParaRPr lang="en-US"/>
           </a:p>
@@ -3399,7 +3498,7 @@
           <a:p>
             <a:fld id="{FB3DB562-E846-4250-A215-238DB2E494A8}" type="datetimeFigureOut">
               <a:rPr lang="en-US" smtClean="0"/>
-              <a:t>5/4/2015</a:t>
+              <a:t>5/5/2015</a:t>
             </a:fld>
             <a:endParaRPr lang="en-US"/>
           </a:p>
@@ -3676,7 +3775,7 @@
           <a:p>
             <a:fld id="{FB3DB562-E846-4250-A215-238DB2E494A8}" type="datetimeFigureOut">
               <a:rPr lang="en-US" smtClean="0"/>
-              <a:t>5/4/2015</a:t>
+              <a:t>5/5/2015</a:t>
             </a:fld>
             <a:endParaRPr lang="en-US"/>
           </a:p>
@@ -3929,7 +4028,7 @@
           <a:p>
             <a:fld id="{FB3DB562-E846-4250-A215-238DB2E494A8}" type="datetimeFigureOut">
               <a:rPr lang="en-US" smtClean="0"/>
-              <a:t>5/4/2015</a:t>
+              <a:t>5/5/2015</a:t>
             </a:fld>
             <a:endParaRPr lang="en-US"/>
           </a:p>
@@ -4142,7 +4241,7 @@
           <a:p>
             <a:fld id="{FB3DB562-E846-4250-A215-238DB2E494A8}" type="datetimeFigureOut">
               <a:rPr lang="en-US" smtClean="0"/>
-              <a:t>5/4/2015</a:t>
+              <a:t>5/5/2015</a:t>
             </a:fld>
             <a:endParaRPr lang="en-US"/>
           </a:p>
@@ -4998,7 +5097,10 @@
             </a:r>
           </a:p>
           <a:p>
-            <a:endParaRPr lang="en-US" sz="2400" dirty="0" smtClean="0"/>
+            <a:r>
+              <a:rPr lang="en-US" sz="2400" dirty="0" smtClean="0"/>
+              <a:t>Login using encryption and SALT for storing password.</a:t>
+            </a:r>
           </a:p>
           <a:p>
             <a:endParaRPr lang="en-US" sz="2400" dirty="0" smtClean="0"/>
@@ -5076,6 +5178,33 @@
           <a:bodyPr/>
           <a:lstStyle/>
           <a:p>
+            <a:r>
+              <a:rPr lang="en-US" dirty="0" smtClean="0"/>
+              <a:t>NetBeans IDE did not always show errors</a:t>
+            </a:r>
+          </a:p>
+          <a:p>
+            <a:pPr lvl="1"/>
+            <a:r>
+              <a:rPr lang="en-US" dirty="0" smtClean="0"/>
+              <a:t>Chrome Inspector was better at this</a:t>
+            </a:r>
+          </a:p>
+          <a:p>
+            <a:r>
+              <a:rPr lang="en-US" dirty="0" smtClean="0"/>
+              <a:t>Bootstrap versions were not forward/backward compatible.</a:t>
+            </a:r>
+          </a:p>
+          <a:p>
+            <a:r>
+              <a:rPr lang="en-US" dirty="0" err="1" smtClean="0"/>
+              <a:t>Javascript</a:t>
+            </a:r>
+            <a:r>
+              <a:rPr lang="en-US" dirty="0" smtClean="0"/>
+              <a:t> is very picky and not informative about errors	</a:t>
+            </a:r>
             <a:endParaRPr lang="en-US" dirty="0"/>
           </a:p>
         </p:txBody>
@@ -5178,6 +5307,12 @@
               <a:rPr lang="en-US" dirty="0" smtClean="0"/>
               <a:t>Start small, make it work, expand on it</a:t>
             </a:r>
+          </a:p>
+          <a:p>
+            <a:r>
+              <a:rPr lang="en-US" dirty="0" smtClean="0"/>
+              <a:t>GIT worked great !</a:t>
+            </a:r>
             <a:endParaRPr lang="en-US" dirty="0"/>
           </a:p>
         </p:txBody>
@@ -5196,6 +5331,461 @@
 </file>
 
 <file path=ppt/slides/slide14.xml><?xml version="1.0" encoding="utf-8"?>
+<p:sld xmlns:a="http://schemas.openxmlformats.org/drawingml/2006/main" xmlns:r="http://schemas.openxmlformats.org/officeDocument/2006/relationships" xmlns:p="http://schemas.openxmlformats.org/presentationml/2006/main">
+  <p:cSld>
+    <p:spTree>
+      <p:nvGrpSpPr>
+        <p:cNvPr id="1" name=""/>
+        <p:cNvGrpSpPr/>
+        <p:nvPr/>
+      </p:nvGrpSpPr>
+      <p:grpSpPr>
+        <a:xfrm>
+          <a:off x="0" y="0"/>
+          <a:ext cx="0" cy="0"/>
+          <a:chOff x="0" y="0"/>
+          <a:chExt cx="0" cy="0"/>
+        </a:xfrm>
+      </p:grpSpPr>
+      <p:sp>
+        <p:nvSpPr>
+          <p:cNvPr id="2" name="Title 1"/>
+          <p:cNvSpPr>
+            <a:spLocks noGrp="1"/>
+          </p:cNvSpPr>
+          <p:nvPr>
+            <p:ph type="title"/>
+          </p:nvPr>
+        </p:nvSpPr>
+        <p:spPr/>
+        <p:txBody>
+          <a:bodyPr/>
+          <a:lstStyle/>
+          <a:p>
+            <a:r>
+              <a:rPr lang="en-US" dirty="0" smtClean="0"/>
+              <a:t>Progress against Plan</a:t>
+            </a:r>
+            <a:endParaRPr lang="en-US" dirty="0"/>
+          </a:p>
+        </p:txBody>
+      </p:sp>
+      <p:sp>
+        <p:nvSpPr>
+          <p:cNvPr id="3" name="Content Placeholder 2"/>
+          <p:cNvSpPr>
+            <a:spLocks noGrp="1"/>
+          </p:cNvSpPr>
+          <p:nvPr>
+            <p:ph idx="1"/>
+          </p:nvPr>
+        </p:nvSpPr>
+        <p:spPr/>
+        <p:txBody>
+          <a:bodyPr/>
+          <a:lstStyle/>
+          <a:p>
+            <a:r>
+              <a:rPr lang="en-US" dirty="0" smtClean="0"/>
+              <a:t>We accomplished most of what we set out to.</a:t>
+            </a:r>
+            <a:endParaRPr lang="en-US" dirty="0"/>
+          </a:p>
+        </p:txBody>
+      </p:sp>
+    </p:spTree>
+    <p:extLst>
+      <p:ext uri="{BB962C8B-B14F-4D97-AF65-F5344CB8AC3E}">
+        <p14:creationId xmlns:p14="http://schemas.microsoft.com/office/powerpoint/2010/main" val="1586908144"/>
+      </p:ext>
+    </p:extLst>
+  </p:cSld>
+  <p:clrMapOvr>
+    <a:masterClrMapping/>
+  </p:clrMapOvr>
+</p:sld>
+</file>
+
+<file path=ppt/slides/slide15.xml><?xml version="1.0" encoding="utf-8"?>
+<p:sld xmlns:a="http://schemas.openxmlformats.org/drawingml/2006/main" xmlns:r="http://schemas.openxmlformats.org/officeDocument/2006/relationships" xmlns:p="http://schemas.openxmlformats.org/presentationml/2006/main">
+  <p:cSld>
+    <p:spTree>
+      <p:nvGrpSpPr>
+        <p:cNvPr id="1" name=""/>
+        <p:cNvGrpSpPr/>
+        <p:nvPr/>
+      </p:nvGrpSpPr>
+      <p:grpSpPr>
+        <a:xfrm>
+          <a:off x="0" y="0"/>
+          <a:ext cx="0" cy="0"/>
+          <a:chOff x="0" y="0"/>
+          <a:chExt cx="0" cy="0"/>
+        </a:xfrm>
+      </p:grpSpPr>
+      <p:sp>
+        <p:nvSpPr>
+          <p:cNvPr id="2" name="Title 1"/>
+          <p:cNvSpPr>
+            <a:spLocks noGrp="1"/>
+          </p:cNvSpPr>
+          <p:nvPr>
+            <p:ph type="title"/>
+          </p:nvPr>
+        </p:nvSpPr>
+        <p:spPr/>
+        <p:txBody>
+          <a:bodyPr/>
+          <a:lstStyle/>
+          <a:p>
+            <a:r>
+              <a:rPr lang="en-US" dirty="0" smtClean="0"/>
+              <a:t>Proposal Key Features</a:t>
+            </a:r>
+            <a:endParaRPr lang="en-US" dirty="0"/>
+          </a:p>
+        </p:txBody>
+      </p:sp>
+      <p:sp>
+        <p:nvSpPr>
+          <p:cNvPr id="3" name="Content Placeholder 2"/>
+          <p:cNvSpPr>
+            <a:spLocks noGrp="1"/>
+          </p:cNvSpPr>
+          <p:nvPr>
+            <p:ph idx="1"/>
+          </p:nvPr>
+        </p:nvSpPr>
+        <p:spPr/>
+        <p:txBody>
+          <a:bodyPr>
+            <a:normAutofit lnSpcReduction="10000"/>
+          </a:bodyPr>
+          <a:lstStyle/>
+          <a:p>
+            <a:pPr marL="0" indent="0">
+              <a:buNone/>
+            </a:pPr>
+            <a:r>
+              <a:rPr lang="en-US" b="1" dirty="0" smtClean="0"/>
+              <a:t>Implemented All !!</a:t>
+            </a:r>
+            <a:endParaRPr lang="en-US" dirty="0"/>
+          </a:p>
+          <a:p>
+            <a:r>
+              <a:rPr lang="en-US" dirty="0"/>
+              <a:t>Create User Account</a:t>
+            </a:r>
+          </a:p>
+          <a:p>
+            <a:r>
+              <a:rPr lang="en-US" dirty="0"/>
+              <a:t>User Login</a:t>
+            </a:r>
+          </a:p>
+          <a:p>
+            <a:r>
+              <a:rPr lang="en-US" dirty="0"/>
+              <a:t>Create New Vacation</a:t>
+            </a:r>
+          </a:p>
+          <a:p>
+            <a:r>
+              <a:rPr lang="en-US" dirty="0"/>
+              <a:t>Display Vacation</a:t>
+            </a:r>
+          </a:p>
+          <a:p>
+            <a:r>
+              <a:rPr lang="en-US" dirty="0"/>
+              <a:t>Update Existing Vacation</a:t>
+            </a:r>
+          </a:p>
+          <a:p>
+            <a:r>
+              <a:rPr lang="en-US" dirty="0"/>
+              <a:t>Delete Vacation</a:t>
+            </a:r>
+          </a:p>
+          <a:p>
+            <a:r>
+              <a:rPr lang="en-US" dirty="0"/>
+              <a:t>Store Core Information about Each Day</a:t>
+            </a:r>
+          </a:p>
+          <a:p>
+            <a:endParaRPr lang="en-US" dirty="0"/>
+          </a:p>
+        </p:txBody>
+      </p:sp>
+    </p:spTree>
+    <p:extLst>
+      <p:ext uri="{BB962C8B-B14F-4D97-AF65-F5344CB8AC3E}">
+        <p14:creationId xmlns:p14="http://schemas.microsoft.com/office/powerpoint/2010/main" val="3651653718"/>
+      </p:ext>
+    </p:extLst>
+  </p:cSld>
+  <p:clrMapOvr>
+    <a:masterClrMapping/>
+  </p:clrMapOvr>
+</p:sld>
+</file>
+
+<file path=ppt/slides/slide16.xml><?xml version="1.0" encoding="utf-8"?>
+<p:sld xmlns:a="http://schemas.openxmlformats.org/drawingml/2006/main" xmlns:r="http://schemas.openxmlformats.org/officeDocument/2006/relationships" xmlns:p="http://schemas.openxmlformats.org/presentationml/2006/main">
+  <p:cSld>
+    <p:spTree>
+      <p:nvGrpSpPr>
+        <p:cNvPr id="1" name=""/>
+        <p:cNvGrpSpPr/>
+        <p:nvPr/>
+      </p:nvGrpSpPr>
+      <p:grpSpPr>
+        <a:xfrm>
+          <a:off x="0" y="0"/>
+          <a:ext cx="0" cy="0"/>
+          <a:chOff x="0" y="0"/>
+          <a:chExt cx="0" cy="0"/>
+        </a:xfrm>
+      </p:grpSpPr>
+      <p:sp>
+        <p:nvSpPr>
+          <p:cNvPr id="2" name="Title 1"/>
+          <p:cNvSpPr>
+            <a:spLocks noGrp="1"/>
+          </p:cNvSpPr>
+          <p:nvPr>
+            <p:ph type="title"/>
+          </p:nvPr>
+        </p:nvSpPr>
+        <p:spPr/>
+        <p:txBody>
+          <a:bodyPr/>
+          <a:lstStyle/>
+          <a:p>
+            <a:r>
+              <a:rPr lang="en-US" dirty="0" smtClean="0"/>
+              <a:t>Proposal Bonus Features</a:t>
+            </a:r>
+            <a:endParaRPr lang="en-US" dirty="0"/>
+          </a:p>
+        </p:txBody>
+      </p:sp>
+      <p:sp>
+        <p:nvSpPr>
+          <p:cNvPr id="3" name="Content Placeholder 2"/>
+          <p:cNvSpPr>
+            <a:spLocks noGrp="1"/>
+          </p:cNvSpPr>
+          <p:nvPr>
+            <p:ph idx="1"/>
+          </p:nvPr>
+        </p:nvSpPr>
+        <p:spPr/>
+        <p:txBody>
+          <a:bodyPr>
+            <a:normAutofit/>
+          </a:bodyPr>
+          <a:lstStyle/>
+          <a:p>
+            <a:r>
+              <a:rPr lang="en-US" sz="2800" dirty="0" smtClean="0"/>
+              <a:t>Store </a:t>
+            </a:r>
+            <a:r>
+              <a:rPr lang="en-US" sz="2800" dirty="0"/>
+              <a:t>Addition Advanced </a:t>
+            </a:r>
+            <a:r>
+              <a:rPr lang="en-US" sz="2800" dirty="0" smtClean="0"/>
+              <a:t>Information </a:t>
+            </a:r>
+            <a:r>
+              <a:rPr lang="en-US" sz="2800" dirty="0">
+                <a:solidFill>
+                  <a:srgbClr val="0070C0"/>
+                </a:solidFill>
+              </a:rPr>
+              <a:t>- </a:t>
+            </a:r>
+            <a:r>
+              <a:rPr lang="en-US" sz="2800" dirty="0" smtClean="0">
+                <a:solidFill>
+                  <a:srgbClr val="0070C0"/>
+                </a:solidFill>
+              </a:rPr>
+              <a:t>some</a:t>
+            </a:r>
+            <a:endParaRPr lang="en-US" sz="2800" dirty="0">
+              <a:solidFill>
+                <a:srgbClr val="0070C0"/>
+              </a:solidFill>
+            </a:endParaRPr>
+          </a:p>
+          <a:p>
+            <a:r>
+              <a:rPr lang="en-US" sz="2800" dirty="0"/>
+              <a:t>Calculate Mileage Traveled Each </a:t>
+            </a:r>
+            <a:r>
+              <a:rPr lang="en-US" sz="2800" dirty="0" smtClean="0"/>
+              <a:t>Day </a:t>
+            </a:r>
+            <a:r>
+              <a:rPr lang="en-US" sz="2800" dirty="0" smtClean="0">
+                <a:solidFill>
+                  <a:srgbClr val="0070C0"/>
+                </a:solidFill>
+              </a:rPr>
+              <a:t>- all</a:t>
+            </a:r>
+            <a:endParaRPr lang="en-US" sz="2800" dirty="0">
+              <a:solidFill>
+                <a:srgbClr val="0070C0"/>
+              </a:solidFill>
+            </a:endParaRPr>
+          </a:p>
+          <a:p>
+            <a:r>
+              <a:rPr lang="en-US" sz="2800" dirty="0"/>
+              <a:t>Provide a Map Showing </a:t>
+            </a:r>
+            <a:r>
+              <a:rPr lang="en-US" sz="2800" dirty="0" smtClean="0"/>
+              <a:t>Route </a:t>
+            </a:r>
+            <a:r>
+              <a:rPr lang="en-US" sz="2800" dirty="0">
+                <a:solidFill>
+                  <a:srgbClr val="0070C0"/>
+                </a:solidFill>
+              </a:rPr>
+              <a:t>- </a:t>
+            </a:r>
+            <a:r>
+              <a:rPr lang="en-US" sz="2800" dirty="0" smtClean="0">
+                <a:solidFill>
+                  <a:srgbClr val="0070C0"/>
+                </a:solidFill>
+              </a:rPr>
+              <a:t>all</a:t>
+            </a:r>
+            <a:endParaRPr lang="en-US" sz="2800" dirty="0">
+              <a:solidFill>
+                <a:srgbClr val="0070C0"/>
+              </a:solidFill>
+            </a:endParaRPr>
+          </a:p>
+          <a:p>
+            <a:r>
+              <a:rPr lang="en-US" sz="2800" dirty="0"/>
+              <a:t>Provide Reports about </a:t>
+            </a:r>
+            <a:r>
+              <a:rPr lang="en-US" sz="2800" dirty="0" smtClean="0"/>
+              <a:t>Trips </a:t>
+            </a:r>
+            <a:r>
+              <a:rPr lang="en-US" sz="2800" dirty="0" smtClean="0">
+                <a:solidFill>
+                  <a:srgbClr val="0070C0"/>
+                </a:solidFill>
+              </a:rPr>
+              <a:t>- all</a:t>
+            </a:r>
+            <a:endParaRPr lang="en-US" sz="2800" dirty="0">
+              <a:solidFill>
+                <a:srgbClr val="0070C0"/>
+              </a:solidFill>
+            </a:endParaRPr>
+          </a:p>
+          <a:p>
+            <a:r>
+              <a:rPr lang="en-US" sz="2800" dirty="0"/>
+              <a:t>Color Code Vacation to Alert to Areas of </a:t>
+            </a:r>
+            <a:r>
+              <a:rPr lang="en-US" sz="2800" dirty="0" smtClean="0"/>
+              <a:t>Concern </a:t>
+            </a:r>
+            <a:r>
+              <a:rPr lang="en-US" sz="2800" dirty="0" smtClean="0">
+                <a:solidFill>
+                  <a:srgbClr val="0070C0"/>
+                </a:solidFill>
+              </a:rPr>
+              <a:t>- all</a:t>
+            </a:r>
+            <a:endParaRPr lang="en-US" sz="2800" dirty="0">
+              <a:solidFill>
+                <a:srgbClr val="0070C0"/>
+              </a:solidFill>
+            </a:endParaRPr>
+          </a:p>
+          <a:p>
+            <a:r>
+              <a:rPr lang="en-US" sz="2800" dirty="0"/>
+              <a:t>Security Measures Beyond Basic </a:t>
+            </a:r>
+            <a:r>
+              <a:rPr lang="en-US" sz="2800" dirty="0" smtClean="0"/>
+              <a:t>Login </a:t>
+            </a:r>
+            <a:r>
+              <a:rPr lang="en-US" sz="2800" dirty="0" smtClean="0">
+                <a:solidFill>
+                  <a:srgbClr val="0070C0"/>
+                </a:solidFill>
+              </a:rPr>
+              <a:t>- some</a:t>
+            </a:r>
+            <a:endParaRPr lang="en-US" sz="2800" dirty="0">
+              <a:solidFill>
+                <a:srgbClr val="0070C0"/>
+              </a:solidFill>
+            </a:endParaRPr>
+          </a:p>
+          <a:p>
+            <a:r>
+              <a:rPr lang="en-US" sz="2800" dirty="0"/>
+              <a:t>Polished </a:t>
+            </a:r>
+            <a:r>
+              <a:rPr lang="en-US" sz="2800" dirty="0" smtClean="0"/>
+              <a:t>UI </a:t>
+            </a:r>
+            <a:r>
+              <a:rPr lang="en-US" sz="2800" dirty="0">
+                <a:solidFill>
+                  <a:srgbClr val="0070C0"/>
+                </a:solidFill>
+              </a:rPr>
+              <a:t>- some</a:t>
+            </a:r>
+          </a:p>
+          <a:p>
+            <a:endParaRPr lang="en-US" dirty="0"/>
+          </a:p>
+          <a:p>
+            <a:endParaRPr lang="en-US" dirty="0"/>
+          </a:p>
+        </p:txBody>
+      </p:sp>
+    </p:spTree>
+    <p:extLst>
+      <p:ext uri="{BB962C8B-B14F-4D97-AF65-F5344CB8AC3E}">
+        <p14:creationId xmlns:p14="http://schemas.microsoft.com/office/powerpoint/2010/main" val="1153554178"/>
+      </p:ext>
+    </p:extLst>
+  </p:cSld>
+  <p:clrMapOvr>
+    <a:masterClrMapping/>
+  </p:clrMapOvr>
+</p:sld>
+</file>
+
+<file path=ppt/slides/slide17.xml><?xml version="1.0" encoding="utf-8"?>
 <p:sld xmlns:a="http://schemas.openxmlformats.org/drawingml/2006/main" xmlns:r="http://schemas.openxmlformats.org/officeDocument/2006/relationships" xmlns:p="http://schemas.openxmlformats.org/presentationml/2006/main">
   <p:cSld>
     <p:spTree>
@@ -6008,7 +6598,7 @@
       </p:sp>
       <p:pic>
         <p:nvPicPr>
-          <p:cNvPr id="4101" name="Picture 5"/>
+          <p:cNvPr id="4" name="Picture 7"/>
           <p:cNvPicPr>
             <a:picLocks noChangeAspect="1" noChangeArrowheads="1"/>
           </p:cNvPicPr>
@@ -6029,7 +6619,7 @@
         </p:blipFill>
         <p:spPr bwMode="auto">
           <a:xfrm>
-            <a:off x="1243012" y="1905000"/>
+            <a:off x="1243013" y="1600200"/>
             <a:ext cx="6657975" cy="4400550"/>
           </a:xfrm>
           <a:prstGeom prst="rect">
@@ -6122,7 +6712,7 @@
         <p:spPr>
           <a:xfrm>
             <a:off x="762000" y="1600200"/>
-            <a:ext cx="6400800" cy="4247317"/>
+            <a:ext cx="6400800" cy="3662541"/>
           </a:xfrm>
           <a:prstGeom prst="rect">
             <a:avLst/>
@@ -6140,7 +6730,7 @@
               <a:buAutoNum type="arabicPeriod"/>
             </a:pPr>
             <a:r>
-              <a:rPr lang="en-US" dirty="0" smtClean="0"/>
+              <a:rPr lang="en-US" sz="2000" dirty="0" smtClean="0"/>
               <a:t>Register</a:t>
             </a:r>
           </a:p>
@@ -6150,7 +6740,7 @@
               <a:buAutoNum type="arabicPeriod"/>
             </a:pPr>
             <a:r>
-              <a:rPr lang="en-US" dirty="0" smtClean="0"/>
+              <a:rPr lang="en-US" sz="2000" dirty="0" smtClean="0"/>
               <a:t>Create a vacation</a:t>
             </a:r>
           </a:p>
@@ -6160,9 +6750,24 @@
               <a:buAutoNum type="arabicPeriod"/>
             </a:pPr>
             <a:r>
-              <a:rPr lang="en-US" dirty="0" smtClean="0"/>
-              <a:t>Add first row</a:t>
-            </a:r>
+              <a:rPr lang="en-US" sz="2000" dirty="0" smtClean="0"/>
+              <a:t>Add at least 3 rows</a:t>
+            </a:r>
+          </a:p>
+          <a:p>
+            <a:pPr marL="342900" indent="-342900">
+              <a:buFont typeface="+mj-lt"/>
+              <a:buAutoNum type="arabicPeriod"/>
+            </a:pPr>
+            <a:r>
+              <a:rPr lang="en-US" sz="2000" dirty="0" smtClean="0"/>
+              <a:t>In the last row ( to provide some feed back on the </a:t>
+            </a:r>
+            <a:r>
+              <a:rPr lang="en-US" sz="2000" dirty="0" smtClean="0"/>
+              <a:t>UI )</a:t>
+            </a:r>
+            <a:endParaRPr lang="en-US" sz="2000" dirty="0" smtClean="0"/>
           </a:p>
           <a:p>
             <a:pPr marL="800100" lvl="1" indent="-342900">
@@ -6170,18 +6775,8 @@
               <a:buAutoNum type="arabicPeriod"/>
             </a:pPr>
             <a:r>
-              <a:rPr lang="en-US" dirty="0" smtClean="0"/>
-              <a:t>Enter some data</a:t>
-            </a:r>
-          </a:p>
-          <a:p>
-            <a:pPr marL="342900" indent="-342900">
-              <a:buFont typeface="+mj-lt"/>
-              <a:buAutoNum type="arabicPeriod"/>
-            </a:pPr>
-            <a:r>
-              <a:rPr lang="en-US" dirty="0" smtClean="0"/>
-              <a:t>Add second row</a:t>
+              <a:rPr lang="en-US" sz="2000" dirty="0" smtClean="0"/>
+              <a:t>in morning activity – enter a positive comment</a:t>
             </a:r>
           </a:p>
           <a:p>
@@ -6190,18 +6785,8 @@
               <a:buAutoNum type="arabicPeriod"/>
             </a:pPr>
             <a:r>
-              <a:rPr lang="en-US" dirty="0" smtClean="0"/>
-              <a:t>Enter some data</a:t>
-            </a:r>
-          </a:p>
-          <a:p>
-            <a:pPr marL="342900" indent="-342900">
-              <a:buFont typeface="+mj-lt"/>
-              <a:buAutoNum type="arabicPeriod"/>
-            </a:pPr>
-            <a:r>
-              <a:rPr lang="en-US" dirty="0" smtClean="0"/>
-              <a:t>Enter third row ( and provide some feed back on the UI)</a:t>
+              <a:rPr lang="en-US" sz="2000" dirty="0" smtClean="0"/>
+              <a:t>In afternoon activity – enter a negative comment</a:t>
             </a:r>
           </a:p>
           <a:p>
@@ -6210,8 +6795,8 @@
               <a:buAutoNum type="arabicPeriod"/>
             </a:pPr>
             <a:r>
-              <a:rPr lang="en-US" dirty="0" smtClean="0"/>
-              <a:t>in morning activity – enter a positive comment</a:t>
+              <a:rPr lang="en-US" sz="2000" dirty="0" smtClean="0"/>
+              <a:t>In evening activity – enter a suggestion</a:t>
             </a:r>
           </a:p>
           <a:p>
@@ -6220,35 +6805,12 @@
               <a:buAutoNum type="arabicPeriod"/>
             </a:pPr>
             <a:r>
-              <a:rPr lang="en-US" dirty="0" smtClean="0"/>
-              <a:t>In afternoon activity – enter a negative comment</a:t>
-            </a:r>
-          </a:p>
-          <a:p>
-            <a:pPr marL="800100" lvl="1" indent="-342900">
-              <a:buFont typeface="+mj-lt"/>
-              <a:buAutoNum type="arabicPeriod"/>
-            </a:pPr>
-            <a:r>
-              <a:rPr lang="en-US" dirty="0" smtClean="0"/>
-              <a:t>In evening activity – enter a suggestion</a:t>
-            </a:r>
-          </a:p>
-          <a:p>
-            <a:pPr marL="800100" lvl="1" indent="-342900">
-              <a:buFont typeface="+mj-lt"/>
-              <a:buAutoNum type="arabicPeriod"/>
-            </a:pPr>
-            <a:r>
-              <a:rPr lang="en-US" dirty="0" smtClean="0"/>
+              <a:rPr lang="en-US" sz="2000" dirty="0" smtClean="0"/>
               <a:t>SAVE</a:t>
             </a:r>
           </a:p>
           <a:p>
-            <a:pPr marL="800100" lvl="1" indent="-342900">
-              <a:buFont typeface="+mj-lt"/>
-              <a:buAutoNum type="arabicPeriod"/>
-            </a:pPr>
+            <a:pPr lvl="1"/>
             <a:endParaRPr lang="en-US" dirty="0" smtClean="0"/>
           </a:p>
           <a:p>

--- a/docs/Presentation.pptx
+++ b/docs/Presentation.pptx
@@ -224,7 +224,7 @@
           <a:p>
             <a:fld id="{B4B01C59-D08A-43C2-B163-1F07386BD4FA}" type="datetimeFigureOut">
               <a:rPr lang="en-US" smtClean="0"/>
-              <a:t>5/5/2015</a:t>
+              <a:t>5/9/2015</a:t>
             </a:fld>
             <a:endParaRPr lang="en-US"/>
           </a:p>
@@ -1295,15 +1295,7 @@
             </a:pPr>
             <a:r>
               <a:rPr lang="en-US" dirty="0" smtClean="0"/>
-              <a:t>HAPPY   PATH  use case  </a:t>
-            </a:r>
-            <a:r>
-              <a:rPr lang="en-US" dirty="0" smtClean="0"/>
-              <a:t>chart  </a:t>
-            </a:r>
-            <a:r>
-              <a:rPr lang="en-US" dirty="0" smtClean="0"/>
-              <a:t>- page 2  In this</a:t>
+              <a:t>HAPPY   PATH  use case  chart  - page 2  In this</a:t>
             </a:r>
             <a:r>
               <a:rPr lang="en-US" baseline="0" dirty="0" smtClean="0"/>
@@ -1809,7 +1801,7 @@
           <a:p>
             <a:fld id="{FB3DB562-E846-4250-A215-238DB2E494A8}" type="datetimeFigureOut">
               <a:rPr lang="en-US" smtClean="0"/>
-              <a:t>5/5/2015</a:t>
+              <a:t>5/9/2015</a:t>
             </a:fld>
             <a:endParaRPr lang="en-US"/>
           </a:p>
@@ -1979,7 +1971,7 @@
           <a:p>
             <a:fld id="{FB3DB562-E846-4250-A215-238DB2E494A8}" type="datetimeFigureOut">
               <a:rPr lang="en-US" smtClean="0"/>
-              <a:t>5/5/2015</a:t>
+              <a:t>5/9/2015</a:t>
             </a:fld>
             <a:endParaRPr lang="en-US"/>
           </a:p>
@@ -2159,7 +2151,7 @@
           <a:p>
             <a:fld id="{FB3DB562-E846-4250-A215-238DB2E494A8}" type="datetimeFigureOut">
               <a:rPr lang="en-US" smtClean="0"/>
-              <a:t>5/5/2015</a:t>
+              <a:t>5/9/2015</a:t>
             </a:fld>
             <a:endParaRPr lang="en-US"/>
           </a:p>
@@ -2329,7 +2321,7 @@
           <a:p>
             <a:fld id="{FB3DB562-E846-4250-A215-238DB2E494A8}" type="datetimeFigureOut">
               <a:rPr lang="en-US" smtClean="0"/>
-              <a:t>5/5/2015</a:t>
+              <a:t>5/9/2015</a:t>
             </a:fld>
             <a:endParaRPr lang="en-US"/>
           </a:p>
@@ -2575,7 +2567,7 @@
           <a:p>
             <a:fld id="{FB3DB562-E846-4250-A215-238DB2E494A8}" type="datetimeFigureOut">
               <a:rPr lang="en-US" smtClean="0"/>
-              <a:t>5/5/2015</a:t>
+              <a:t>5/9/2015</a:t>
             </a:fld>
             <a:endParaRPr lang="en-US"/>
           </a:p>
@@ -2863,7 +2855,7 @@
           <a:p>
             <a:fld id="{FB3DB562-E846-4250-A215-238DB2E494A8}" type="datetimeFigureOut">
               <a:rPr lang="en-US" smtClean="0"/>
-              <a:t>5/5/2015</a:t>
+              <a:t>5/9/2015</a:t>
             </a:fld>
             <a:endParaRPr lang="en-US"/>
           </a:p>
@@ -3285,7 +3277,7 @@
           <a:p>
             <a:fld id="{FB3DB562-E846-4250-A215-238DB2E494A8}" type="datetimeFigureOut">
               <a:rPr lang="en-US" smtClean="0"/>
-              <a:t>5/5/2015</a:t>
+              <a:t>5/9/2015</a:t>
             </a:fld>
             <a:endParaRPr lang="en-US"/>
           </a:p>
@@ -3403,7 +3395,7 @@
           <a:p>
             <a:fld id="{FB3DB562-E846-4250-A215-238DB2E494A8}" type="datetimeFigureOut">
               <a:rPr lang="en-US" smtClean="0"/>
-              <a:t>5/5/2015</a:t>
+              <a:t>5/9/2015</a:t>
             </a:fld>
             <a:endParaRPr lang="en-US"/>
           </a:p>
@@ -3498,7 +3490,7 @@
           <a:p>
             <a:fld id="{FB3DB562-E846-4250-A215-238DB2E494A8}" type="datetimeFigureOut">
               <a:rPr lang="en-US" smtClean="0"/>
-              <a:t>5/5/2015</a:t>
+              <a:t>5/9/2015</a:t>
             </a:fld>
             <a:endParaRPr lang="en-US"/>
           </a:p>
@@ -3775,7 +3767,7 @@
           <a:p>
             <a:fld id="{FB3DB562-E846-4250-A215-238DB2E494A8}" type="datetimeFigureOut">
               <a:rPr lang="en-US" smtClean="0"/>
-              <a:t>5/5/2015</a:t>
+              <a:t>5/9/2015</a:t>
             </a:fld>
             <a:endParaRPr lang="en-US"/>
           </a:p>
@@ -4028,7 +4020,7 @@
           <a:p>
             <a:fld id="{FB3DB562-E846-4250-A215-238DB2E494A8}" type="datetimeFigureOut">
               <a:rPr lang="en-US" smtClean="0"/>
-              <a:t>5/5/2015</a:t>
+              <a:t>5/9/2015</a:t>
             </a:fld>
             <a:endParaRPr lang="en-US"/>
           </a:p>
@@ -4241,7 +4233,7 @@
           <a:p>
             <a:fld id="{FB3DB562-E846-4250-A215-238DB2E494A8}" type="datetimeFigureOut">
               <a:rPr lang="en-US" smtClean="0"/>
-              <a:t>5/5/2015</a:t>
+              <a:t>5/9/2015</a:t>
             </a:fld>
             <a:endParaRPr lang="en-US"/>
           </a:p>
@@ -5877,8 +5869,35 @@
             <a:pPr lvl="1"/>
             <a:r>
               <a:rPr lang="en-US" dirty="0" smtClean="0"/>
-              <a:t>More performance and scale testing</a:t>
-            </a:r>
+              <a:t>More performance and scale </a:t>
+            </a:r>
+            <a:r>
+              <a:rPr lang="en-US" dirty="0" smtClean="0"/>
+              <a:t>testing</a:t>
+            </a:r>
+          </a:p>
+          <a:p>
+            <a:pPr lvl="1"/>
+            <a:r>
+              <a:rPr lang="en-US" dirty="0" smtClean="0"/>
+              <a:t>Add captcha to register screen</a:t>
+            </a:r>
+          </a:p>
+          <a:p>
+            <a:pPr lvl="1"/>
+            <a:r>
+              <a:rPr lang="en-US" dirty="0" smtClean="0"/>
+              <a:t>Add </a:t>
+            </a:r>
+            <a:r>
+              <a:rPr lang="en-US" dirty="0" err="1" smtClean="0"/>
+              <a:t>Twilio</a:t>
+            </a:r>
+            <a:r>
+              <a:rPr lang="en-US" dirty="0" smtClean="0"/>
+              <a:t> notification reminders</a:t>
+            </a:r>
+            <a:endParaRPr lang="en-US" dirty="0" smtClean="0"/>
           </a:p>
           <a:p>
             <a:pPr lvl="1"/>
@@ -6761,13 +6780,8 @@
             </a:pPr>
             <a:r>
               <a:rPr lang="en-US" sz="2000" dirty="0" smtClean="0"/>
-              <a:t>In the last row ( to provide some feed back on the </a:t>
-            </a:r>
-            <a:r>
-              <a:rPr lang="en-US" sz="2000" dirty="0" smtClean="0"/>
-              <a:t>UI )</a:t>
-            </a:r>
-            <a:endParaRPr lang="en-US" sz="2000" dirty="0" smtClean="0"/>
+              <a:t>In the last row ( to provide some feed back on the UI )</a:t>
+            </a:r>
           </a:p>
           <a:p>
             <a:pPr marL="800100" lvl="1" indent="-342900">
